--- a/信息安全工具开发/课件/2-7多线程2/threading.Thread在线程中运行函数(PPT).pptx
+++ b/信息安全工具开发/课件/2-7多线程2/threading.Thread在线程中运行函数(PPT).pptx
@@ -271,7 +271,7 @@
           <a:p>
             <a:fld id="{82F288E0-7875-42C4-84C8-98DBBD3BF4D2}" type="datetimeFigureOut">
               <a:rPr lang="zh-CN" altLang="en-US" smtClean="0"/>
-              <a:t>2017/10/12</a:t>
+              <a:t>2022/3/15</a:t>
             </a:fld>
             <a:endParaRPr lang="zh-CN" altLang="en-US"/>
           </a:p>
@@ -429,7 +429,7 @@
           <a:p>
             <a:fld id="{82F288E0-7875-42C4-84C8-98DBBD3BF4D2}" type="datetimeFigureOut">
               <a:rPr lang="zh-CN" altLang="en-US" smtClean="0"/>
-              <a:t>2017/10/12</a:t>
+              <a:t>2022/3/15</a:t>
             </a:fld>
             <a:endParaRPr lang="zh-CN" altLang="en-US"/>
           </a:p>
@@ -626,7 +626,7 @@
           <a:p>
             <a:fld id="{82F288E0-7875-42C4-84C8-98DBBD3BF4D2}" type="datetimeFigureOut">
               <a:rPr lang="zh-CN" altLang="en-US" smtClean="0"/>
-              <a:t>2017/10/12</a:t>
+              <a:t>2022/3/15</a:t>
             </a:fld>
             <a:endParaRPr lang="zh-CN" altLang="en-US"/>
           </a:p>
@@ -801,7 +801,7 @@
           <a:p>
             <a:fld id="{82F288E0-7875-42C4-84C8-98DBBD3BF4D2}" type="datetimeFigureOut">
               <a:rPr lang="zh-CN" altLang="en-US" smtClean="0"/>
-              <a:t>2017/10/12</a:t>
+              <a:t>2022/3/15</a:t>
             </a:fld>
             <a:endParaRPr lang="zh-CN" altLang="en-US"/>
           </a:p>
@@ -1053,7 +1053,7 @@
           <a:p>
             <a:fld id="{82F288E0-7875-42C4-84C8-98DBBD3BF4D2}" type="datetimeFigureOut">
               <a:rPr lang="zh-CN" altLang="en-US" smtClean="0"/>
-              <a:t>2017/10/12</a:t>
+              <a:t>2022/3/15</a:t>
             </a:fld>
             <a:endParaRPr lang="zh-CN" altLang="en-US"/>
           </a:p>
@@ -1289,7 +1289,7 @@
           <a:p>
             <a:fld id="{82F288E0-7875-42C4-84C8-98DBBD3BF4D2}" type="datetimeFigureOut">
               <a:rPr lang="zh-CN" altLang="en-US" smtClean="0"/>
-              <a:t>2017/10/12</a:t>
+              <a:t>2022/3/15</a:t>
             </a:fld>
             <a:endParaRPr lang="zh-CN" altLang="en-US"/>
           </a:p>
@@ -1660,7 +1660,7 @@
           <a:p>
             <a:fld id="{82F288E0-7875-42C4-84C8-98DBBD3BF4D2}" type="datetimeFigureOut">
               <a:rPr lang="zh-CN" altLang="en-US" smtClean="0"/>
-              <a:t>2017/10/12</a:t>
+              <a:t>2022/3/15</a:t>
             </a:fld>
             <a:endParaRPr lang="zh-CN" altLang="en-US"/>
           </a:p>
@@ -1784,7 +1784,7 @@
           <a:p>
             <a:fld id="{82F288E0-7875-42C4-84C8-98DBBD3BF4D2}" type="datetimeFigureOut">
               <a:rPr lang="zh-CN" altLang="en-US" smtClean="0"/>
-              <a:t>2017/10/12</a:t>
+              <a:t>2022/3/15</a:t>
             </a:fld>
             <a:endParaRPr lang="zh-CN" altLang="en-US"/>
           </a:p>
@@ -1886,7 +1886,7 @@
           <a:p>
             <a:fld id="{82F288E0-7875-42C4-84C8-98DBBD3BF4D2}" type="datetimeFigureOut">
               <a:rPr lang="zh-CN" altLang="en-US" smtClean="0"/>
-              <a:t>2017/10/12</a:t>
+              <a:t>2022/3/15</a:t>
             </a:fld>
             <a:endParaRPr lang="zh-CN" altLang="en-US"/>
           </a:p>
@@ -2145,7 +2145,7 @@
           <a:p>
             <a:fld id="{82F288E0-7875-42C4-84C8-98DBBD3BF4D2}" type="datetimeFigureOut">
               <a:rPr lang="zh-CN" altLang="en-US" smtClean="0"/>
-              <a:t>2017/10/12</a:t>
+              <a:t>2022/3/15</a:t>
             </a:fld>
             <a:endParaRPr lang="zh-CN" altLang="en-US"/>
           </a:p>
@@ -2330,7 +2330,7 @@
           <a:p>
             <a:fld id="{82F288E0-7875-42C4-84C8-98DBBD3BF4D2}" type="datetimeFigureOut">
               <a:rPr lang="zh-CN" altLang="en-US" smtClean="0"/>
-              <a:t>2017/10/12</a:t>
+              <a:t>2022/3/15</a:t>
             </a:fld>
             <a:endParaRPr lang="zh-CN" altLang="en-US"/>
           </a:p>
@@ -2505,7 +2505,7 @@
           <a:p>
             <a:fld id="{82F288E0-7875-42C4-84C8-98DBBD3BF4D2}" type="datetimeFigureOut">
               <a:rPr lang="zh-CN" altLang="en-US" smtClean="0"/>
-              <a:t>2017/10/12</a:t>
+              <a:t>2022/3/15</a:t>
             </a:fld>
             <a:endParaRPr lang="zh-CN" altLang="en-US"/>
           </a:p>
@@ -3126,7 +3126,7 @@
           <a:p>
             <a:fld id="{82F288E0-7875-42C4-84C8-98DBBD3BF4D2}" type="datetimeFigureOut">
               <a:rPr lang="zh-CN" altLang="en-US" smtClean="0"/>
-              <a:t>2017/10/12</a:t>
+              <a:t>2022/3/15</a:t>
             </a:fld>
             <a:endParaRPr lang="zh-CN" altLang="en-US"/>
           </a:p>
@@ -3378,7 +3378,7 @@
           <a:p>
             <a:fld id="{82F288E0-7875-42C4-84C8-98DBBD3BF4D2}" type="datetimeFigureOut">
               <a:rPr lang="zh-CN" altLang="en-US" smtClean="0"/>
-              <a:t>2017/10/12</a:t>
+              <a:t>2022/3/15</a:t>
             </a:fld>
             <a:endParaRPr lang="zh-CN" altLang="en-US"/>
           </a:p>
@@ -3614,7 +3614,7 @@
           <a:p>
             <a:fld id="{82F288E0-7875-42C4-84C8-98DBBD3BF4D2}" type="datetimeFigureOut">
               <a:rPr lang="zh-CN" altLang="en-US" smtClean="0"/>
-              <a:t>2017/10/12</a:t>
+              <a:t>2022/3/15</a:t>
             </a:fld>
             <a:endParaRPr lang="zh-CN" altLang="en-US"/>
           </a:p>
@@ -3985,7 +3985,7 @@
           <a:p>
             <a:fld id="{82F288E0-7875-42C4-84C8-98DBBD3BF4D2}" type="datetimeFigureOut">
               <a:rPr lang="zh-CN" altLang="en-US" smtClean="0"/>
-              <a:t>2017/10/12</a:t>
+              <a:t>2022/3/15</a:t>
             </a:fld>
             <a:endParaRPr lang="zh-CN" altLang="en-US"/>
           </a:p>
@@ -4109,7 +4109,7 @@
           <a:p>
             <a:fld id="{82F288E0-7875-42C4-84C8-98DBBD3BF4D2}" type="datetimeFigureOut">
               <a:rPr lang="zh-CN" altLang="en-US" smtClean="0"/>
-              <a:t>2017/10/12</a:t>
+              <a:t>2022/3/15</a:t>
             </a:fld>
             <a:endParaRPr lang="zh-CN" altLang="en-US"/>
           </a:p>
@@ -4211,7 +4211,7 @@
           <a:p>
             <a:fld id="{82F288E0-7875-42C4-84C8-98DBBD3BF4D2}" type="datetimeFigureOut">
               <a:rPr lang="zh-CN" altLang="en-US" smtClean="0"/>
-              <a:t>2017/10/12</a:t>
+              <a:t>2022/3/15</a:t>
             </a:fld>
             <a:endParaRPr lang="zh-CN" altLang="en-US"/>
           </a:p>
@@ -4470,7 +4470,7 @@
           <a:p>
             <a:fld id="{82F288E0-7875-42C4-84C8-98DBBD3BF4D2}" type="datetimeFigureOut">
               <a:rPr lang="zh-CN" altLang="en-US" smtClean="0"/>
-              <a:t>2017/10/12</a:t>
+              <a:t>2022/3/15</a:t>
             </a:fld>
             <a:endParaRPr lang="zh-CN" altLang="en-US"/>
           </a:p>
@@ -4655,7 +4655,7 @@
           <a:p>
             <a:fld id="{82F288E0-7875-42C4-84C8-98DBBD3BF4D2}" type="datetimeFigureOut">
               <a:rPr lang="zh-CN" altLang="en-US" smtClean="0"/>
-              <a:t>2017/10/12</a:t>
+              <a:t>2022/3/15</a:t>
             </a:fld>
             <a:endParaRPr lang="zh-CN" altLang="en-US"/>
           </a:p>
@@ -4873,7 +4873,7 @@
           <a:p>
             <a:fld id="{82F288E0-7875-42C4-84C8-98DBBD3BF4D2}" type="datetimeFigureOut">
               <a:rPr lang="zh-CN" altLang="en-US" smtClean="0"/>
-              <a:t>2017/10/12</a:t>
+              <a:t>2022/3/15</a:t>
             </a:fld>
             <a:endParaRPr lang="zh-CN" altLang="en-US"/>
           </a:p>
@@ -5417,7 +5417,7 @@
           <a:p>
             <a:fld id="{82F288E0-7875-42C4-84C8-98DBBD3BF4D2}" type="datetimeFigureOut">
               <a:rPr lang="zh-CN" altLang="en-US" smtClean="0"/>
-              <a:t>2017/10/12</a:t>
+              <a:t>2022/3/15</a:t>
             </a:fld>
             <a:endParaRPr lang="zh-CN" altLang="en-US"/>
           </a:p>
@@ -32068,336 +32068,1180 @@
       </p:grpSpPr>
       <p:sp>
         <p:nvSpPr>
-          <p:cNvPr id="2" name="矩形 1"/>
+          <p:cNvPr id="15" name="圆角矩形 14"/>
           <p:cNvSpPr/>
           <p:nvPr/>
         </p:nvSpPr>
         <p:spPr>
           <a:xfrm>
-            <a:off x="2793534" y="2117409"/>
-            <a:ext cx="6662490" cy="3785652"/>
+            <a:off x="2360619" y="657666"/>
+            <a:ext cx="1313023" cy="731813"/>
+          </a:xfrm>
+          <a:prstGeom prst="roundRect">
+            <a:avLst>
+              <a:gd name="adj" fmla="val 27816"/>
+            </a:avLst>
+          </a:prstGeom>
+          <a:solidFill>
+            <a:schemeClr val="tx1">
+              <a:lumMod val="75000"/>
+              <a:lumOff val="25000"/>
+              <a:alpha val="40000"/>
+            </a:schemeClr>
+          </a:solidFill>
+          <a:ln>
+            <a:noFill/>
+          </a:ln>
+          <a:effectLst>
+            <a:outerShdw blurRad="152400" dist="76200" dir="2700000" algn="tl" rotWithShape="0">
+              <a:prstClr val="black">
+                <a:alpha val="50000"/>
+              </a:prstClr>
+            </a:outerShdw>
+          </a:effectLst>
+        </p:spPr>
+        <p:style>
+          <a:lnRef idx="2">
+            <a:schemeClr val="accent1">
+              <a:shade val="50000"/>
+            </a:schemeClr>
+          </a:lnRef>
+          <a:fillRef idx="1">
+            <a:schemeClr val="accent1"/>
+          </a:fillRef>
+          <a:effectRef idx="0">
+            <a:schemeClr val="accent1"/>
+          </a:effectRef>
+          <a:fontRef idx="minor">
+            <a:schemeClr val="lt1"/>
+          </a:fontRef>
+        </p:style>
+        <p:txBody>
+          <a:bodyPr anchor="ctr"/>
+          <a:lstStyle/>
+          <a:p>
+            <a:pPr algn="ctr" eaLnBrk="1" fontAlgn="auto" hangingPunct="1">
+              <a:spcBef>
+                <a:spcPts val="0"/>
+              </a:spcBef>
+              <a:spcAft>
+                <a:spcPts val="0"/>
+              </a:spcAft>
+            </a:pPr>
+            <a:endParaRPr lang="zh-CN" altLang="en-US" sz="3200" b="1" dirty="0">
+              <a:latin typeface="微软雅黑" panose="020B0503020204020204" pitchFamily="34" charset="-122"/>
+              <a:ea typeface="微软雅黑" panose="020B0503020204020204" pitchFamily="34" charset="-122"/>
+            </a:endParaRPr>
+          </a:p>
+        </p:txBody>
+      </p:sp>
+      <p:sp>
+        <p:nvSpPr>
+          <p:cNvPr id="18" name="矩形 17"/>
+          <p:cNvSpPr/>
+          <p:nvPr/>
+        </p:nvSpPr>
+        <p:spPr>
+          <a:xfrm>
+            <a:off x="2535221" y="737342"/>
+            <a:ext cx="1005403" cy="584775"/>
           </a:xfrm>
           <a:prstGeom prst="rect">
             <a:avLst/>
           </a:prstGeom>
         </p:spPr>
         <p:txBody>
-          <a:bodyPr wrap="square">
+          <a:bodyPr wrap="none">
             <a:spAutoFit/>
           </a:bodyPr>
           <a:lstStyle/>
           <a:p>
             <a:r>
-              <a:rPr lang="en-US" altLang="zh-CN" sz="2000" dirty="0">
-                <a:latin typeface="微软雅黑" panose="020B0503020204020204" pitchFamily="34" charset="-122"/>
-                <a:ea typeface="微软雅黑" panose="020B0503020204020204" pitchFamily="34" charset="-122"/>
+              <a:rPr lang="zh-CN" altLang="en-US" sz="3200" b="1" dirty="0">
+                <a:solidFill>
+                  <a:schemeClr val="bg1"/>
+                </a:solidFill>
+                <a:latin typeface="微软雅黑" panose="020B0503020204020204" charset="-122"/>
+                <a:ea typeface="微软雅黑" panose="020B0503020204020204" charset="-122"/>
               </a:rPr>
-              <a:t>import threading</a:t>
+              <a:t>示例</a:t>
+            </a:r>
+          </a:p>
+        </p:txBody>
+      </p:sp>
+      <p:sp>
+        <p:nvSpPr>
+          <p:cNvPr id="4" name="Rectangle 2"/>
+          <p:cNvSpPr>
+            <a:spLocks noChangeArrowheads="1"/>
+          </p:cNvSpPr>
+          <p:nvPr/>
+        </p:nvSpPr>
+        <p:spPr bwMode="auto">
+          <a:xfrm>
+            <a:off x="2894592" y="1558756"/>
+            <a:ext cx="7399978" cy="4154984"/>
+          </a:xfrm>
+          <a:prstGeom prst="rect">
+            <a:avLst/>
+          </a:prstGeom>
+          <a:solidFill>
+            <a:srgbClr val="2B2B2B"/>
+          </a:solidFill>
+          <a:ln>
+            <a:noFill/>
+          </a:ln>
+          <a:effectLst/>
+          <a:extLst>
+            <a:ext uri="{91240B29-F687-4F45-9708-019B960494DF}">
+              <a14:hiddenLine xmlns:a14="http://schemas.microsoft.com/office/drawing/2010/main" w="9525">
+                <a:solidFill>
+                  <a:schemeClr val="tx1"/>
+                </a:solidFill>
+                <a:miter lim="800000"/>
+                <a:headEnd/>
+                <a:tailEnd/>
+              </a14:hiddenLine>
+            </a:ext>
+            <a:ext uri="{AF507438-7753-43E0-B8FC-AC1667EBCBE1}">
+              <a14:hiddenEffects xmlns:a14="http://schemas.microsoft.com/office/drawing/2010/main">
+                <a:effectLst>
+                  <a:outerShdw dist="35921" dir="2700000" algn="ctr" rotWithShape="0">
+                    <a:schemeClr val="bg2"/>
+                  </a:outerShdw>
+                </a:effectLst>
+              </a14:hiddenEffects>
+            </a:ext>
+          </a:extLst>
+        </p:spPr>
+        <p:txBody>
+          <a:bodyPr vert="horz" wrap="square" lIns="91440" tIns="45720" rIns="91440" bIns="45720" numCol="1" anchor="ctr" anchorCtr="0" compatLnSpc="1">
+            <a:prstTxWarp prst="textNoShape">
+              <a:avLst/>
+            </a:prstTxWarp>
+            <a:spAutoFit/>
+          </a:bodyPr>
+          <a:lstStyle/>
+          <a:p>
+            <a:pPr marL="0" marR="0" lvl="0" indent="0" algn="l" defTabSz="914400" rtl="0" eaLnBrk="0" fontAlgn="base" latinLnBrk="0" hangingPunct="0">
+              <a:lnSpc>
+                <a:spcPct val="100000"/>
+              </a:lnSpc>
+              <a:spcBef>
+                <a:spcPct val="0"/>
+              </a:spcBef>
+              <a:spcAft>
+                <a:spcPct val="0"/>
+              </a:spcAft>
+              <a:buClrTx/>
+              <a:buSzTx/>
+              <a:buFontTx/>
+              <a:buNone/>
+              <a:tabLst/>
+            </a:pPr>
+            <a:r>
+              <a:rPr kumimoji="0" lang="zh-CN" altLang="zh-CN" sz="2200" b="0" i="0" u="none" strike="noStrike" cap="none" normalizeH="0" baseline="0" smtClean="0">
+                <a:ln>
+                  <a:noFill/>
+                </a:ln>
+                <a:solidFill>
+                  <a:srgbClr val="CC7832"/>
+                </a:solidFill>
+                <a:effectLst/>
+                <a:latin typeface="Arial Unicode MS"/>
+                <a:ea typeface="JetBrains Mono"/>
+              </a:rPr>
+              <a:t>import </a:t>
+            </a:r>
+            <a:r>
+              <a:rPr kumimoji="0" lang="zh-CN" altLang="zh-CN" sz="2200" b="0" i="0" u="none" strike="noStrike" cap="none" normalizeH="0" baseline="0" smtClean="0">
+                <a:ln>
+                  <a:noFill/>
+                </a:ln>
+                <a:solidFill>
+                  <a:srgbClr val="A9B7C6"/>
+                </a:solidFill>
+                <a:effectLst/>
+                <a:latin typeface="Arial Unicode MS"/>
+                <a:ea typeface="JetBrains Mono"/>
+              </a:rPr>
+              <a:t>threading</a:t>
             </a:r>
             <a:br>
-              <a:rPr lang="en-US" altLang="zh-CN" sz="2000" dirty="0">
-                <a:latin typeface="微软雅黑" panose="020B0503020204020204" pitchFamily="34" charset="-122"/>
-                <a:ea typeface="微软雅黑" panose="020B0503020204020204" pitchFamily="34" charset="-122"/>
+              <a:rPr kumimoji="0" lang="zh-CN" altLang="zh-CN" sz="2200" b="0" i="0" u="none" strike="noStrike" cap="none" normalizeH="0" baseline="0" smtClean="0">
+                <a:ln>
+                  <a:noFill/>
+                </a:ln>
+                <a:solidFill>
+                  <a:srgbClr val="A9B7C6"/>
+                </a:solidFill>
+                <a:effectLst/>
+                <a:latin typeface="Arial Unicode MS"/>
+                <a:ea typeface="JetBrains Mono"/>
               </a:rPr>
             </a:br>
             <a:r>
-              <a:rPr lang="en-US" altLang="zh-CN" sz="2000" dirty="0">
-                <a:latin typeface="微软雅黑" panose="020B0503020204020204" pitchFamily="34" charset="-122"/>
-                <a:ea typeface="微软雅黑" panose="020B0503020204020204" pitchFamily="34" charset="-122"/>
+              <a:rPr kumimoji="0" lang="zh-CN" altLang="zh-CN" sz="2200" b="0" i="0" u="none" strike="noStrike" cap="none" normalizeH="0" baseline="0" smtClean="0">
+                <a:ln>
+                  <a:noFill/>
+                </a:ln>
+                <a:solidFill>
+                  <a:srgbClr val="CC7832"/>
+                </a:solidFill>
+                <a:effectLst/>
+                <a:latin typeface="Arial Unicode MS"/>
+                <a:ea typeface="JetBrains Mono"/>
               </a:rPr>
-              <a:t>import time</a:t>
+              <a:t>import </a:t>
+            </a:r>
+            <a:r>
+              <a:rPr kumimoji="0" lang="zh-CN" altLang="zh-CN" sz="2200" b="0" i="0" u="none" strike="noStrike" cap="none" normalizeH="0" baseline="0" smtClean="0">
+                <a:ln>
+                  <a:noFill/>
+                </a:ln>
+                <a:solidFill>
+                  <a:srgbClr val="A9B7C6"/>
+                </a:solidFill>
+                <a:effectLst/>
+                <a:latin typeface="Arial Unicode MS"/>
+                <a:ea typeface="JetBrains Mono"/>
+              </a:rPr>
+              <a:t>time</a:t>
             </a:r>
             <a:br>
-              <a:rPr lang="en-US" altLang="zh-CN" sz="2000" dirty="0">
-                <a:latin typeface="微软雅黑" panose="020B0503020204020204" pitchFamily="34" charset="-122"/>
-                <a:ea typeface="微软雅黑" panose="020B0503020204020204" pitchFamily="34" charset="-122"/>
+              <a:rPr kumimoji="0" lang="zh-CN" altLang="zh-CN" sz="2200" b="0" i="0" u="none" strike="noStrike" cap="none" normalizeH="0" baseline="0" smtClean="0">
+                <a:ln>
+                  <a:noFill/>
+                </a:ln>
+                <a:solidFill>
+                  <a:srgbClr val="A9B7C6"/>
+                </a:solidFill>
+                <a:effectLst/>
+                <a:latin typeface="Arial Unicode MS"/>
+                <a:ea typeface="JetBrains Mono"/>
               </a:rPr>
             </a:br>
             <a:r>
-              <a:rPr lang="en-US" altLang="zh-CN" sz="2000" dirty="0">
-                <a:latin typeface="微软雅黑" panose="020B0503020204020204" pitchFamily="34" charset="-122"/>
-                <a:ea typeface="微软雅黑" panose="020B0503020204020204" pitchFamily="34" charset="-122"/>
+              <a:rPr kumimoji="0" lang="zh-CN" altLang="zh-CN" sz="2200" b="0" i="0" u="none" strike="noStrike" cap="none" normalizeH="0" baseline="0" smtClean="0">
+                <a:ln>
+                  <a:noFill/>
+                </a:ln>
+                <a:solidFill>
+                  <a:srgbClr val="CC7832"/>
+                </a:solidFill>
+                <a:effectLst/>
+                <a:latin typeface="Arial Unicode MS"/>
+                <a:ea typeface="JetBrains Mono"/>
               </a:rPr>
-              <a:t>class Th(threading.Thread):</a:t>
+              <a:t>class </a:t>
+            </a:r>
+            <a:r>
+              <a:rPr kumimoji="0" lang="zh-CN" altLang="zh-CN" sz="2200" b="0" i="0" u="none" strike="noStrike" cap="none" normalizeH="0" baseline="0" smtClean="0">
+                <a:ln>
+                  <a:noFill/>
+                </a:ln>
+                <a:solidFill>
+                  <a:srgbClr val="A9B7C6"/>
+                </a:solidFill>
+                <a:effectLst/>
+                <a:latin typeface="Arial Unicode MS"/>
+                <a:ea typeface="JetBrains Mono"/>
+              </a:rPr>
+              <a:t>Th(threading.Thread):</a:t>
             </a:r>
             <a:br>
-              <a:rPr lang="en-US" altLang="zh-CN" sz="2000" dirty="0">
-                <a:latin typeface="微软雅黑" panose="020B0503020204020204" pitchFamily="34" charset="-122"/>
-                <a:ea typeface="微软雅黑" panose="020B0503020204020204" pitchFamily="34" charset="-122"/>
+              <a:rPr kumimoji="0" lang="zh-CN" altLang="zh-CN" sz="2200" b="0" i="0" u="none" strike="noStrike" cap="none" normalizeH="0" baseline="0" smtClean="0">
+                <a:ln>
+                  <a:noFill/>
+                </a:ln>
+                <a:solidFill>
+                  <a:srgbClr val="A9B7C6"/>
+                </a:solidFill>
+                <a:effectLst/>
+                <a:latin typeface="Arial Unicode MS"/>
+                <a:ea typeface="JetBrains Mono"/>
               </a:rPr>
             </a:br>
             <a:r>
-              <a:rPr lang="en-US" altLang="zh-CN" sz="2000" dirty="0">
-                <a:latin typeface="微软雅黑" panose="020B0503020204020204" pitchFamily="34" charset="-122"/>
-                <a:ea typeface="微软雅黑" panose="020B0503020204020204" pitchFamily="34" charset="-122"/>
+              <a:rPr kumimoji="0" lang="zh-CN" altLang="zh-CN" sz="2200" b="0" i="0" u="none" strike="noStrike" cap="none" normalizeH="0" baseline="0" smtClean="0">
+                <a:ln>
+                  <a:noFill/>
+                </a:ln>
+                <a:solidFill>
+                  <a:srgbClr val="A9B7C6"/>
+                </a:solidFill>
+                <a:effectLst/>
+                <a:latin typeface="Arial Unicode MS"/>
+                <a:ea typeface="JetBrains Mono"/>
               </a:rPr>
-              <a:t>      def __</a:t>
+              <a:t>    </a:t>
             </a:r>
             <a:r>
-              <a:rPr lang="en-US" altLang="zh-CN" sz="2000" dirty="0" err="1">
-                <a:latin typeface="微软雅黑" panose="020B0503020204020204" pitchFamily="34" charset="-122"/>
-                <a:ea typeface="微软雅黑" panose="020B0503020204020204" pitchFamily="34" charset="-122"/>
+              <a:rPr kumimoji="0" lang="zh-CN" altLang="zh-CN" sz="2200" b="0" i="0" u="none" strike="noStrike" cap="none" normalizeH="0" baseline="0" smtClean="0">
+                <a:ln>
+                  <a:noFill/>
+                </a:ln>
+                <a:solidFill>
+                  <a:srgbClr val="CC7832"/>
+                </a:solidFill>
+                <a:effectLst/>
+                <a:latin typeface="Arial Unicode MS"/>
+                <a:ea typeface="JetBrains Mono"/>
               </a:rPr>
-              <a:t>init</a:t>
+              <a:t>def </a:t>
             </a:r>
             <a:r>
-              <a:rPr lang="en-US" altLang="zh-CN" sz="2000" dirty="0">
-                <a:latin typeface="微软雅黑" panose="020B0503020204020204" pitchFamily="34" charset="-122"/>
-                <a:ea typeface="微软雅黑" panose="020B0503020204020204" pitchFamily="34" charset="-122"/>
+              <a:rPr kumimoji="0" lang="zh-CN" altLang="zh-CN" sz="2200" b="0" i="0" u="none" strike="noStrike" cap="none" normalizeH="0" baseline="0" smtClean="0">
+                <a:ln>
+                  <a:noFill/>
+                </a:ln>
+                <a:solidFill>
+                  <a:srgbClr val="B200B2"/>
+                </a:solidFill>
+                <a:effectLst/>
+                <a:latin typeface="Arial Unicode MS"/>
+                <a:ea typeface="JetBrains Mono"/>
               </a:rPr>
-              <a:t>__(self, </a:t>
+              <a:t>__init__</a:t>
             </a:r>
             <a:r>
-              <a:rPr lang="en-US" altLang="zh-CN" sz="2000" dirty="0" err="1">
-                <a:latin typeface="微软雅黑" panose="020B0503020204020204" pitchFamily="34" charset="-122"/>
-                <a:ea typeface="微软雅黑" panose="020B0503020204020204" pitchFamily="34" charset="-122"/>
+              <a:rPr kumimoji="0" lang="zh-CN" altLang="zh-CN" sz="2200" b="0" i="0" u="none" strike="noStrike" cap="none" normalizeH="0" baseline="0" smtClean="0">
+                <a:ln>
+                  <a:noFill/>
+                </a:ln>
+                <a:solidFill>
+                  <a:srgbClr val="A9B7C6"/>
+                </a:solidFill>
+                <a:effectLst/>
+                <a:latin typeface="Arial Unicode MS"/>
+                <a:ea typeface="JetBrains Mono"/>
               </a:rPr>
-              <a:t>thread_name</a:t>
+              <a:t>(</a:t>
             </a:r>
             <a:r>
-              <a:rPr lang="en-US" altLang="zh-CN" sz="2000" dirty="0">
-                <a:latin typeface="微软雅黑" panose="020B0503020204020204" pitchFamily="34" charset="-122"/>
-                <a:ea typeface="微软雅黑" panose="020B0503020204020204" pitchFamily="34" charset="-122"/>
+              <a:rPr kumimoji="0" lang="zh-CN" altLang="zh-CN" sz="2200" b="0" i="0" u="none" strike="noStrike" cap="none" normalizeH="0" baseline="0" smtClean="0">
+                <a:ln>
+                  <a:noFill/>
+                </a:ln>
+                <a:solidFill>
+                  <a:srgbClr val="94558D"/>
+                </a:solidFill>
+                <a:effectLst/>
+                <a:latin typeface="Arial Unicode MS"/>
+                <a:ea typeface="JetBrains Mono"/>
+              </a:rPr>
+              <a:t>self</a:t>
+            </a:r>
+            <a:r>
+              <a:rPr kumimoji="0" lang="zh-CN" altLang="zh-CN" sz="2200" b="0" i="0" u="none" strike="noStrike" cap="none" normalizeH="0" baseline="0" smtClean="0">
+                <a:ln>
+                  <a:noFill/>
+                </a:ln>
+                <a:solidFill>
+                  <a:srgbClr val="CC7832"/>
+                </a:solidFill>
+                <a:effectLst/>
+                <a:latin typeface="Arial Unicode MS"/>
+                <a:ea typeface="JetBrains Mono"/>
+              </a:rPr>
+              <a:t>, </a:t>
+            </a:r>
+            <a:r>
+              <a:rPr kumimoji="0" lang="zh-CN" altLang="zh-CN" sz="2200" b="0" i="0" u="none" strike="noStrike" cap="none" normalizeH="0" baseline="0" smtClean="0">
+                <a:ln>
+                  <a:noFill/>
+                </a:ln>
+                <a:solidFill>
+                  <a:srgbClr val="A9B7C6"/>
+                </a:solidFill>
+                <a:effectLst/>
+                <a:latin typeface="Arial Unicode MS"/>
+                <a:ea typeface="JetBrains Mono"/>
+              </a:rPr>
+              <a:t>thread_name):</a:t>
+            </a:r>
+            <a:br>
+              <a:rPr kumimoji="0" lang="zh-CN" altLang="zh-CN" sz="2200" b="0" i="0" u="none" strike="noStrike" cap="none" normalizeH="0" baseline="0" smtClean="0">
+                <a:ln>
+                  <a:noFill/>
+                </a:ln>
+                <a:solidFill>
+                  <a:srgbClr val="A9B7C6"/>
+                </a:solidFill>
+                <a:effectLst/>
+                <a:latin typeface="Arial Unicode MS"/>
+                <a:ea typeface="JetBrains Mono"/>
+              </a:rPr>
+            </a:br>
+            <a:r>
+              <a:rPr kumimoji="0" lang="zh-CN" altLang="zh-CN" sz="2200" b="0" i="0" u="none" strike="noStrike" cap="none" normalizeH="0" baseline="0" smtClean="0">
+                <a:ln>
+                  <a:noFill/>
+                </a:ln>
+                <a:solidFill>
+                  <a:srgbClr val="A9B7C6"/>
+                </a:solidFill>
+                <a:effectLst/>
+                <a:latin typeface="Arial Unicode MS"/>
+                <a:ea typeface="JetBrains Mono"/>
+              </a:rPr>
+              <a:t>        threading.Thread.</a:t>
+            </a:r>
+            <a:r>
+              <a:rPr kumimoji="0" lang="zh-CN" altLang="zh-CN" sz="2200" b="0" i="0" u="none" strike="noStrike" cap="none" normalizeH="0" baseline="0" smtClean="0">
+                <a:ln>
+                  <a:noFill/>
+                </a:ln>
+                <a:solidFill>
+                  <a:srgbClr val="B200B2"/>
+                </a:solidFill>
+                <a:effectLst/>
+                <a:latin typeface="Arial Unicode MS"/>
+                <a:ea typeface="JetBrains Mono"/>
+              </a:rPr>
+              <a:t>__init__</a:t>
+            </a:r>
+            <a:r>
+              <a:rPr kumimoji="0" lang="zh-CN" altLang="zh-CN" sz="2200" b="0" i="0" u="none" strike="noStrike" cap="none" normalizeH="0" baseline="0" smtClean="0">
+                <a:ln>
+                  <a:noFill/>
+                </a:ln>
+                <a:solidFill>
+                  <a:srgbClr val="A9B7C6"/>
+                </a:solidFill>
+                <a:effectLst/>
+                <a:latin typeface="Arial Unicode MS"/>
+                <a:ea typeface="JetBrains Mono"/>
+              </a:rPr>
+              <a:t>(</a:t>
+            </a:r>
+            <a:r>
+              <a:rPr kumimoji="0" lang="zh-CN" altLang="zh-CN" sz="2200" b="0" i="0" u="none" strike="noStrike" cap="none" normalizeH="0" baseline="0" smtClean="0">
+                <a:ln>
+                  <a:noFill/>
+                </a:ln>
+                <a:solidFill>
+                  <a:srgbClr val="94558D"/>
+                </a:solidFill>
+                <a:effectLst/>
+                <a:latin typeface="Arial Unicode MS"/>
+                <a:ea typeface="JetBrains Mono"/>
+              </a:rPr>
+              <a:t>self</a:t>
+            </a:r>
+            <a:r>
+              <a:rPr kumimoji="0" lang="zh-CN" altLang="zh-CN" sz="2200" b="0" i="0" u="none" strike="noStrike" cap="none" normalizeH="0" baseline="0" smtClean="0">
+                <a:ln>
+                  <a:noFill/>
+                </a:ln>
+                <a:solidFill>
+                  <a:srgbClr val="A9B7C6"/>
+                </a:solidFill>
+                <a:effectLst/>
+                <a:latin typeface="Arial Unicode MS"/>
+                <a:ea typeface="JetBrains Mono"/>
+              </a:rPr>
+              <a:t>)</a:t>
+            </a:r>
+            <a:br>
+              <a:rPr kumimoji="0" lang="zh-CN" altLang="zh-CN" sz="2200" b="0" i="0" u="none" strike="noStrike" cap="none" normalizeH="0" baseline="0" smtClean="0">
+                <a:ln>
+                  <a:noFill/>
+                </a:ln>
+                <a:solidFill>
+                  <a:srgbClr val="A9B7C6"/>
+                </a:solidFill>
+                <a:effectLst/>
+                <a:latin typeface="Arial Unicode MS"/>
+                <a:ea typeface="JetBrains Mono"/>
+              </a:rPr>
+            </a:br>
+            <a:r>
+              <a:rPr kumimoji="0" lang="zh-CN" altLang="zh-CN" sz="2200" b="0" i="0" u="none" strike="noStrike" cap="none" normalizeH="0" baseline="0" smtClean="0">
+                <a:ln>
+                  <a:noFill/>
+                </a:ln>
+                <a:solidFill>
+                  <a:srgbClr val="A9B7C6"/>
+                </a:solidFill>
+                <a:effectLst/>
+                <a:latin typeface="Arial Unicode MS"/>
+                <a:ea typeface="JetBrains Mono"/>
+              </a:rPr>
+              <a:t>        </a:t>
+            </a:r>
+            <a:r>
+              <a:rPr kumimoji="0" lang="zh-CN" altLang="zh-CN" sz="2200" b="0" i="0" u="none" strike="noStrike" cap="none" normalizeH="0" baseline="0" smtClean="0">
+                <a:ln>
+                  <a:noFill/>
+                </a:ln>
+                <a:solidFill>
+                  <a:srgbClr val="94558D"/>
+                </a:solidFill>
+                <a:effectLst/>
+                <a:latin typeface="Arial Unicode MS"/>
+                <a:ea typeface="JetBrains Mono"/>
+              </a:rPr>
+              <a:t>self</a:t>
+            </a:r>
+            <a:r>
+              <a:rPr kumimoji="0" lang="zh-CN" altLang="zh-CN" sz="2200" b="0" i="0" u="none" strike="noStrike" cap="none" normalizeH="0" baseline="0" smtClean="0">
+                <a:ln>
+                  <a:noFill/>
+                </a:ln>
+                <a:solidFill>
+                  <a:srgbClr val="A9B7C6"/>
+                </a:solidFill>
+                <a:effectLst/>
+                <a:latin typeface="Arial Unicode MS"/>
+                <a:ea typeface="JetBrains Mono"/>
+              </a:rPr>
+              <a:t>.name = thread_name</a:t>
+            </a:r>
+            <a:br>
+              <a:rPr kumimoji="0" lang="zh-CN" altLang="zh-CN" sz="2200" b="0" i="0" u="none" strike="noStrike" cap="none" normalizeH="0" baseline="0" smtClean="0">
+                <a:ln>
+                  <a:noFill/>
+                </a:ln>
+                <a:solidFill>
+                  <a:srgbClr val="A9B7C6"/>
+                </a:solidFill>
+                <a:effectLst/>
+                <a:latin typeface="Arial Unicode MS"/>
+                <a:ea typeface="JetBrains Mono"/>
+              </a:rPr>
+            </a:br>
+            <a:r>
+              <a:rPr kumimoji="0" lang="zh-CN" altLang="zh-CN" sz="2200" b="0" i="0" u="none" strike="noStrike" cap="none" normalizeH="0" baseline="0" smtClean="0">
+                <a:ln>
+                  <a:noFill/>
+                </a:ln>
+                <a:solidFill>
+                  <a:srgbClr val="A9B7C6"/>
+                </a:solidFill>
+                <a:effectLst/>
+                <a:latin typeface="Arial Unicode MS"/>
+                <a:ea typeface="JetBrains Mono"/>
+              </a:rPr>
+              <a:t>    </a:t>
+            </a:r>
+            <a:r>
+              <a:rPr kumimoji="0" lang="zh-CN" altLang="zh-CN" sz="2200" b="0" i="0" u="none" strike="noStrike" cap="none" normalizeH="0" baseline="0" smtClean="0">
+                <a:ln>
+                  <a:noFill/>
+                </a:ln>
+                <a:solidFill>
+                  <a:srgbClr val="CC7832"/>
+                </a:solidFill>
+                <a:effectLst/>
+                <a:latin typeface="Arial Unicode MS"/>
+                <a:ea typeface="JetBrains Mono"/>
+              </a:rPr>
+              <a:t>def </a:t>
+            </a:r>
+            <a:r>
+              <a:rPr kumimoji="0" lang="zh-CN" altLang="zh-CN" sz="2200" b="0" i="0" u="none" strike="noStrike" cap="none" normalizeH="0" baseline="0" smtClean="0">
+                <a:ln>
+                  <a:noFill/>
+                </a:ln>
+                <a:solidFill>
+                  <a:srgbClr val="FFC66D"/>
+                </a:solidFill>
+                <a:effectLst/>
+                <a:latin typeface="Arial Unicode MS"/>
+                <a:ea typeface="JetBrains Mono"/>
+              </a:rPr>
+              <a:t>run</a:t>
+            </a:r>
+            <a:r>
+              <a:rPr kumimoji="0" lang="zh-CN" altLang="zh-CN" sz="2200" b="0" i="0" u="none" strike="noStrike" cap="none" normalizeH="0" baseline="0" smtClean="0">
+                <a:ln>
+                  <a:noFill/>
+                </a:ln>
+                <a:solidFill>
+                  <a:srgbClr val="A9B7C6"/>
+                </a:solidFill>
+                <a:effectLst/>
+                <a:latin typeface="Arial Unicode MS"/>
+                <a:ea typeface="JetBrains Mono"/>
+              </a:rPr>
+              <a:t>(</a:t>
+            </a:r>
+            <a:r>
+              <a:rPr kumimoji="0" lang="zh-CN" altLang="zh-CN" sz="2200" b="0" i="0" u="none" strike="noStrike" cap="none" normalizeH="0" baseline="0" smtClean="0">
+                <a:ln>
+                  <a:noFill/>
+                </a:ln>
+                <a:solidFill>
+                  <a:srgbClr val="94558D"/>
+                </a:solidFill>
+                <a:effectLst/>
+                <a:latin typeface="Arial Unicode MS"/>
+                <a:ea typeface="JetBrains Mono"/>
+              </a:rPr>
+              <a:t>self</a:t>
+            </a:r>
+            <a:r>
+              <a:rPr kumimoji="0" lang="zh-CN" altLang="zh-CN" sz="2200" b="0" i="0" u="none" strike="noStrike" cap="none" normalizeH="0" baseline="0" smtClean="0">
+                <a:ln>
+                  <a:noFill/>
+                </a:ln>
+                <a:solidFill>
+                  <a:srgbClr val="A9B7C6"/>
+                </a:solidFill>
+                <a:effectLst/>
+                <a:latin typeface="Arial Unicode MS"/>
+                <a:ea typeface="JetBrains Mono"/>
               </a:rPr>
               <a:t>):</a:t>
             </a:r>
             <a:br>
-              <a:rPr lang="en-US" altLang="zh-CN" sz="2000" dirty="0">
-                <a:latin typeface="微软雅黑" panose="020B0503020204020204" pitchFamily="34" charset="-122"/>
-                <a:ea typeface="微软雅黑" panose="020B0503020204020204" pitchFamily="34" charset="-122"/>
+              <a:rPr kumimoji="0" lang="zh-CN" altLang="zh-CN" sz="2200" b="0" i="0" u="none" strike="noStrike" cap="none" normalizeH="0" baseline="0" smtClean="0">
+                <a:ln>
+                  <a:noFill/>
+                </a:ln>
+                <a:solidFill>
+                  <a:srgbClr val="A9B7C6"/>
+                </a:solidFill>
+                <a:effectLst/>
+                <a:latin typeface="Arial Unicode MS"/>
+                <a:ea typeface="JetBrains Mono"/>
               </a:rPr>
             </a:br>
             <a:r>
-              <a:rPr lang="en-US" altLang="zh-CN" sz="2000" dirty="0">
-                <a:latin typeface="微软雅黑" panose="020B0503020204020204" pitchFamily="34" charset="-122"/>
-                <a:ea typeface="微软雅黑" panose="020B0503020204020204" pitchFamily="34" charset="-122"/>
+              <a:rPr kumimoji="0" lang="zh-CN" altLang="zh-CN" sz="2200" b="0" i="0" u="none" strike="noStrike" cap="none" normalizeH="0" baseline="0" smtClean="0">
+                <a:ln>
+                  <a:noFill/>
+                </a:ln>
+                <a:solidFill>
+                  <a:srgbClr val="A9B7C6"/>
+                </a:solidFill>
+                <a:effectLst/>
+                <a:latin typeface="Arial Unicode MS"/>
+                <a:ea typeface="JetBrains Mono"/>
               </a:rPr>
-              <a:t>          threading.Thread.__</a:t>
+              <a:t>        </a:t>
             </a:r>
             <a:r>
-              <a:rPr lang="en-US" altLang="zh-CN" sz="2000" dirty="0" err="1">
-                <a:latin typeface="微软雅黑" panose="020B0503020204020204" pitchFamily="34" charset="-122"/>
-                <a:ea typeface="微软雅黑" panose="020B0503020204020204" pitchFamily="34" charset="-122"/>
+              <a:rPr kumimoji="0" lang="zh-CN" altLang="zh-CN" sz="2200" b="0" i="0" u="none" strike="noStrike" cap="none" normalizeH="0" baseline="0" smtClean="0">
+                <a:ln>
+                  <a:noFill/>
+                </a:ln>
+                <a:solidFill>
+                  <a:srgbClr val="8888C6"/>
+                </a:solidFill>
+                <a:effectLst/>
+                <a:latin typeface="Arial Unicode MS"/>
+                <a:ea typeface="JetBrains Mono"/>
               </a:rPr>
-              <a:t>init</a:t>
+              <a:t>print </a:t>
             </a:r>
             <a:r>
-              <a:rPr lang="en-US" altLang="zh-CN" sz="2000" dirty="0">
-                <a:latin typeface="微软雅黑" panose="020B0503020204020204" pitchFamily="34" charset="-122"/>
-                <a:ea typeface="微软雅黑" panose="020B0503020204020204" pitchFamily="34" charset="-122"/>
-              </a:rPr>
-              <a:t>__(self)</a:t>
-            </a:r>
-            <a:br>
-              <a:rPr lang="en-US" altLang="zh-CN" sz="2000" dirty="0">
-                <a:latin typeface="微软雅黑" panose="020B0503020204020204" pitchFamily="34" charset="-122"/>
-                <a:ea typeface="微软雅黑" panose="020B0503020204020204" pitchFamily="34" charset="-122"/>
-              </a:rPr>
-            </a:br>
-            <a:r>
-              <a:rPr lang="en-US" altLang="zh-CN" sz="2000" dirty="0">
-                <a:latin typeface="微软雅黑" panose="020B0503020204020204" pitchFamily="34" charset="-122"/>
-                <a:ea typeface="微软雅黑" panose="020B0503020204020204" pitchFamily="34" charset="-122"/>
-              </a:rPr>
-              <a:t>          </a:t>
-            </a:r>
-            <a:r>
-              <a:rPr lang="en-US" altLang="zh-CN" sz="2000" dirty="0" err="1">
-                <a:latin typeface="微软雅黑" panose="020B0503020204020204" pitchFamily="34" charset="-122"/>
-                <a:ea typeface="微软雅黑" panose="020B0503020204020204" pitchFamily="34" charset="-122"/>
-              </a:rPr>
-              <a:t>self.setName</a:t>
-            </a:r>
-            <a:r>
-              <a:rPr lang="en-US" altLang="zh-CN" sz="2000" dirty="0">
-                <a:latin typeface="微软雅黑" panose="020B0503020204020204" pitchFamily="34" charset="-122"/>
-                <a:ea typeface="微软雅黑" panose="020B0503020204020204" pitchFamily="34" charset="-122"/>
+              <a:rPr kumimoji="0" lang="zh-CN" altLang="zh-CN" sz="2200" b="0" i="0" u="none" strike="noStrike" cap="none" normalizeH="0" baseline="0" smtClean="0">
+                <a:ln>
+                  <a:noFill/>
+                </a:ln>
+                <a:solidFill>
+                  <a:srgbClr val="A9B7C6"/>
+                </a:solidFill>
+                <a:effectLst/>
+                <a:latin typeface="Arial Unicode MS"/>
+                <a:ea typeface="JetBrains Mono"/>
               </a:rPr>
               <a:t>(</a:t>
             </a:r>
             <a:r>
-              <a:rPr lang="en-US" altLang="zh-CN" sz="2000" dirty="0" err="1">
-                <a:latin typeface="微软雅黑" panose="020B0503020204020204" pitchFamily="34" charset="-122"/>
-                <a:ea typeface="微软雅黑" panose="020B0503020204020204" pitchFamily="34" charset="-122"/>
+              <a:rPr kumimoji="0" lang="zh-CN" altLang="zh-CN" sz="2200" b="0" i="0" u="none" strike="noStrike" cap="none" normalizeH="0" baseline="0" smtClean="0">
+                <a:ln>
+                  <a:noFill/>
+                </a:ln>
+                <a:solidFill>
+                  <a:srgbClr val="6A8759"/>
+                </a:solidFill>
+                <a:effectLst/>
+                <a:latin typeface="Arial Unicode MS"/>
+                <a:ea typeface="JetBrains Mono"/>
               </a:rPr>
-              <a:t>thread_name</a:t>
+              <a:t>"This is thread " </a:t>
             </a:r>
             <a:r>
-              <a:rPr lang="en-US" altLang="zh-CN" sz="2000" dirty="0">
-                <a:latin typeface="微软雅黑" panose="020B0503020204020204" pitchFamily="34" charset="-122"/>
-                <a:ea typeface="微软雅黑" panose="020B0503020204020204" pitchFamily="34" charset="-122"/>
+              <a:rPr kumimoji="0" lang="zh-CN" altLang="zh-CN" sz="2200" b="0" i="0" u="none" strike="noStrike" cap="none" normalizeH="0" baseline="0" smtClean="0">
+                <a:ln>
+                  <a:noFill/>
+                </a:ln>
+                <a:solidFill>
+                  <a:srgbClr val="A9B7C6"/>
+                </a:solidFill>
+                <a:effectLst/>
+                <a:latin typeface="Arial Unicode MS"/>
+                <a:ea typeface="JetBrains Mono"/>
+              </a:rPr>
+              <a:t>+ </a:t>
+            </a:r>
+            <a:r>
+              <a:rPr kumimoji="0" lang="zh-CN" altLang="zh-CN" sz="2200" b="0" i="0" u="none" strike="noStrike" cap="none" normalizeH="0" baseline="0" smtClean="0">
+                <a:ln>
+                  <a:noFill/>
+                </a:ln>
+                <a:solidFill>
+                  <a:srgbClr val="94558D"/>
+                </a:solidFill>
+                <a:effectLst/>
+                <a:latin typeface="Arial Unicode MS"/>
+                <a:ea typeface="JetBrains Mono"/>
+              </a:rPr>
+              <a:t>self</a:t>
+            </a:r>
+            <a:r>
+              <a:rPr kumimoji="0" lang="zh-CN" altLang="zh-CN" sz="2200" b="0" i="0" u="none" strike="noStrike" cap="none" normalizeH="0" baseline="0" smtClean="0">
+                <a:ln>
+                  <a:noFill/>
+                </a:ln>
+                <a:solidFill>
+                  <a:srgbClr val="A9B7C6"/>
+                </a:solidFill>
+                <a:effectLst/>
+                <a:latin typeface="Arial Unicode MS"/>
+                <a:ea typeface="JetBrains Mono"/>
+              </a:rPr>
+              <a:t>.name)</a:t>
+            </a:r>
+            <a:br>
+              <a:rPr kumimoji="0" lang="zh-CN" altLang="zh-CN" sz="2200" b="0" i="0" u="none" strike="noStrike" cap="none" normalizeH="0" baseline="0" smtClean="0">
+                <a:ln>
+                  <a:noFill/>
+                </a:ln>
+                <a:solidFill>
+                  <a:srgbClr val="A9B7C6"/>
+                </a:solidFill>
+                <a:effectLst/>
+                <a:latin typeface="Arial Unicode MS"/>
+                <a:ea typeface="JetBrains Mono"/>
+              </a:rPr>
+            </a:br>
+            <a:r>
+              <a:rPr kumimoji="0" lang="zh-CN" altLang="zh-CN" sz="2200" b="0" i="0" u="none" strike="noStrike" cap="none" normalizeH="0" baseline="0" smtClean="0">
+                <a:ln>
+                  <a:noFill/>
+                </a:ln>
+                <a:solidFill>
+                  <a:srgbClr val="A9B7C6"/>
+                </a:solidFill>
+                <a:effectLst/>
+                <a:latin typeface="Arial Unicode MS"/>
+                <a:ea typeface="JetBrains Mono"/>
+              </a:rPr>
+              <a:t>        </a:t>
+            </a:r>
+            <a:r>
+              <a:rPr kumimoji="0" lang="zh-CN" altLang="zh-CN" sz="2200" b="0" i="0" u="none" strike="noStrike" cap="none" normalizeH="0" baseline="0" smtClean="0">
+                <a:ln>
+                  <a:noFill/>
+                </a:ln>
+                <a:solidFill>
+                  <a:srgbClr val="CC7832"/>
+                </a:solidFill>
+                <a:effectLst/>
+                <a:latin typeface="Arial Unicode MS"/>
+                <a:ea typeface="JetBrains Mono"/>
+              </a:rPr>
+              <a:t>for </a:t>
+            </a:r>
+            <a:r>
+              <a:rPr kumimoji="0" lang="zh-CN" altLang="zh-CN" sz="2200" b="0" i="0" u="none" strike="noStrike" cap="none" normalizeH="0" baseline="0" smtClean="0">
+                <a:ln>
+                  <a:noFill/>
+                </a:ln>
+                <a:solidFill>
+                  <a:srgbClr val="A9B7C6"/>
+                </a:solidFill>
+                <a:effectLst/>
+                <a:latin typeface="Arial Unicode MS"/>
+                <a:ea typeface="JetBrains Mono"/>
+              </a:rPr>
+              <a:t>i </a:t>
+            </a:r>
+            <a:r>
+              <a:rPr kumimoji="0" lang="zh-CN" altLang="zh-CN" sz="2200" b="0" i="0" u="none" strike="noStrike" cap="none" normalizeH="0" baseline="0" smtClean="0">
+                <a:ln>
+                  <a:noFill/>
+                </a:ln>
+                <a:solidFill>
+                  <a:srgbClr val="CC7832"/>
+                </a:solidFill>
+                <a:effectLst/>
+                <a:latin typeface="Arial Unicode MS"/>
+                <a:ea typeface="JetBrains Mono"/>
+              </a:rPr>
+              <a:t>in </a:t>
+            </a:r>
+            <a:r>
+              <a:rPr kumimoji="0" lang="zh-CN" altLang="zh-CN" sz="2200" b="0" i="0" u="none" strike="noStrike" cap="none" normalizeH="0" baseline="0" smtClean="0">
+                <a:ln>
+                  <a:noFill/>
+                </a:ln>
+                <a:solidFill>
+                  <a:srgbClr val="8888C6"/>
+                </a:solidFill>
+                <a:effectLst/>
+                <a:latin typeface="Arial Unicode MS"/>
+                <a:ea typeface="JetBrains Mono"/>
+              </a:rPr>
+              <a:t>range</a:t>
+            </a:r>
+            <a:r>
+              <a:rPr kumimoji="0" lang="zh-CN" altLang="zh-CN" sz="2200" b="0" i="0" u="none" strike="noStrike" cap="none" normalizeH="0" baseline="0" smtClean="0">
+                <a:ln>
+                  <a:noFill/>
+                </a:ln>
+                <a:solidFill>
+                  <a:srgbClr val="A9B7C6"/>
+                </a:solidFill>
+                <a:effectLst/>
+                <a:latin typeface="Arial Unicode MS"/>
+                <a:ea typeface="JetBrains Mono"/>
+              </a:rPr>
+              <a:t>(</a:t>
+            </a:r>
+            <a:r>
+              <a:rPr kumimoji="0" lang="zh-CN" altLang="zh-CN" sz="2200" b="0" i="0" u="none" strike="noStrike" cap="none" normalizeH="0" baseline="0" smtClean="0">
+                <a:ln>
+                  <a:noFill/>
+                </a:ln>
+                <a:solidFill>
+                  <a:srgbClr val="6897BB"/>
+                </a:solidFill>
+                <a:effectLst/>
+                <a:latin typeface="Arial Unicode MS"/>
+                <a:ea typeface="JetBrains Mono"/>
+              </a:rPr>
+              <a:t>5</a:t>
+            </a:r>
+            <a:r>
+              <a:rPr kumimoji="0" lang="zh-CN" altLang="zh-CN" sz="2200" b="0" i="0" u="none" strike="noStrike" cap="none" normalizeH="0" baseline="0" smtClean="0">
+                <a:ln>
+                  <a:noFill/>
+                </a:ln>
+                <a:solidFill>
+                  <a:srgbClr val="A9B7C6"/>
+                </a:solidFill>
+                <a:effectLst/>
+                <a:latin typeface="Arial Unicode MS"/>
+                <a:ea typeface="JetBrains Mono"/>
+              </a:rPr>
+              <a:t>):</a:t>
+            </a:r>
+            <a:br>
+              <a:rPr kumimoji="0" lang="zh-CN" altLang="zh-CN" sz="2200" b="0" i="0" u="none" strike="noStrike" cap="none" normalizeH="0" baseline="0" smtClean="0">
+                <a:ln>
+                  <a:noFill/>
+                </a:ln>
+                <a:solidFill>
+                  <a:srgbClr val="A9B7C6"/>
+                </a:solidFill>
+                <a:effectLst/>
+                <a:latin typeface="Arial Unicode MS"/>
+                <a:ea typeface="JetBrains Mono"/>
+              </a:rPr>
+            </a:br>
+            <a:r>
+              <a:rPr kumimoji="0" lang="zh-CN" altLang="zh-CN" sz="2200" b="0" i="0" u="none" strike="noStrike" cap="none" normalizeH="0" baseline="0" smtClean="0">
+                <a:ln>
+                  <a:noFill/>
+                </a:ln>
+                <a:solidFill>
+                  <a:srgbClr val="A9B7C6"/>
+                </a:solidFill>
+                <a:effectLst/>
+                <a:latin typeface="Arial Unicode MS"/>
+                <a:ea typeface="JetBrains Mono"/>
+              </a:rPr>
+              <a:t>            time.sleep(</a:t>
+            </a:r>
+            <a:r>
+              <a:rPr kumimoji="0" lang="zh-CN" altLang="zh-CN" sz="2200" b="0" i="0" u="none" strike="noStrike" cap="none" normalizeH="0" baseline="0" smtClean="0">
+                <a:ln>
+                  <a:noFill/>
+                </a:ln>
+                <a:solidFill>
+                  <a:srgbClr val="6897BB"/>
+                </a:solidFill>
+                <a:effectLst/>
+                <a:latin typeface="Arial Unicode MS"/>
+                <a:ea typeface="JetBrains Mono"/>
+              </a:rPr>
+              <a:t>1</a:t>
+            </a:r>
+            <a:r>
+              <a:rPr kumimoji="0" lang="zh-CN" altLang="zh-CN" sz="2200" b="0" i="0" u="none" strike="noStrike" cap="none" normalizeH="0" baseline="0" smtClean="0">
+                <a:ln>
+                  <a:noFill/>
+                </a:ln>
+                <a:solidFill>
+                  <a:srgbClr val="A9B7C6"/>
+                </a:solidFill>
+                <a:effectLst/>
+                <a:latin typeface="Arial Unicode MS"/>
+                <a:ea typeface="JetBrains Mono"/>
               </a:rPr>
               <a:t>)</a:t>
             </a:r>
             <a:br>
-              <a:rPr lang="en-US" altLang="zh-CN" sz="2000" dirty="0">
-                <a:latin typeface="微软雅黑" panose="020B0503020204020204" pitchFamily="34" charset="-122"/>
-                <a:ea typeface="微软雅黑" panose="020B0503020204020204" pitchFamily="34" charset="-122"/>
+              <a:rPr kumimoji="0" lang="zh-CN" altLang="zh-CN" sz="2200" b="0" i="0" u="none" strike="noStrike" cap="none" normalizeH="0" baseline="0" smtClean="0">
+                <a:ln>
+                  <a:noFill/>
+                </a:ln>
+                <a:solidFill>
+                  <a:srgbClr val="A9B7C6"/>
+                </a:solidFill>
+                <a:effectLst/>
+                <a:latin typeface="Arial Unicode MS"/>
+                <a:ea typeface="JetBrains Mono"/>
               </a:rPr>
             </a:br>
             <a:r>
-              <a:rPr lang="en-US" altLang="zh-CN" sz="2000" dirty="0">
-                <a:latin typeface="微软雅黑" panose="020B0503020204020204" pitchFamily="34" charset="-122"/>
-                <a:ea typeface="微软雅黑" panose="020B0503020204020204" pitchFamily="34" charset="-122"/>
+              <a:rPr kumimoji="0" lang="zh-CN" altLang="zh-CN" sz="2200" b="0" i="0" u="none" strike="noStrike" cap="none" normalizeH="0" baseline="0" smtClean="0">
+                <a:ln>
+                  <a:noFill/>
+                </a:ln>
+                <a:solidFill>
+                  <a:srgbClr val="A9B7C6"/>
+                </a:solidFill>
+                <a:effectLst/>
+                <a:latin typeface="Arial Unicode MS"/>
+                <a:ea typeface="JetBrains Mono"/>
               </a:rPr>
-              <a:t>      def run(self):</a:t>
-            </a:r>
-            <a:br>
-              <a:rPr lang="en-US" altLang="zh-CN" sz="2000" dirty="0">
-                <a:latin typeface="微软雅黑" panose="020B0503020204020204" pitchFamily="34" charset="-122"/>
-                <a:ea typeface="微软雅黑" panose="020B0503020204020204" pitchFamily="34" charset="-122"/>
-              </a:rPr>
-            </a:br>
-            <a:r>
-              <a:rPr lang="en-US" altLang="zh-CN" sz="2000" dirty="0">
-                <a:latin typeface="微软雅黑" panose="020B0503020204020204" pitchFamily="34" charset="-122"/>
-                <a:ea typeface="微软雅黑" panose="020B0503020204020204" pitchFamily="34" charset="-122"/>
-              </a:rPr>
-              <a:t>          print "This is thread " + </a:t>
+              <a:t>            </a:t>
             </a:r>
             <a:r>
-              <a:rPr lang="en-US" altLang="zh-CN" sz="2000" dirty="0" err="1">
-                <a:latin typeface="微软雅黑" panose="020B0503020204020204" pitchFamily="34" charset="-122"/>
-                <a:ea typeface="微软雅黑" panose="020B0503020204020204" pitchFamily="34" charset="-122"/>
+              <a:rPr kumimoji="0" lang="zh-CN" altLang="zh-CN" sz="2200" b="0" i="0" u="none" strike="noStrike" cap="none" normalizeH="0" baseline="0" smtClean="0">
+                <a:ln>
+                  <a:noFill/>
+                </a:ln>
+                <a:solidFill>
+                  <a:srgbClr val="8888C6"/>
+                </a:solidFill>
+                <a:effectLst/>
+                <a:latin typeface="Arial Unicode MS"/>
+                <a:ea typeface="JetBrains Mono"/>
               </a:rPr>
-              <a:t>self.getName</a:t>
+              <a:t>print </a:t>
             </a:r>
             <a:r>
-              <a:rPr lang="en-US" altLang="zh-CN" sz="2000" dirty="0">
-                <a:latin typeface="微软雅黑" panose="020B0503020204020204" pitchFamily="34" charset="-122"/>
-                <a:ea typeface="微软雅黑" panose="020B0503020204020204" pitchFamily="34" charset="-122"/>
+              <a:rPr kumimoji="0" lang="zh-CN" altLang="zh-CN" sz="2200" b="0" i="0" u="none" strike="noStrike" cap="none" normalizeH="0" baseline="0" smtClean="0">
+                <a:ln>
+                  <a:noFill/>
+                </a:ln>
+                <a:solidFill>
+                  <a:srgbClr val="A9B7C6"/>
+                </a:solidFill>
+                <a:effectLst/>
+                <a:latin typeface="Arial Unicode MS"/>
+                <a:ea typeface="JetBrains Mono"/>
               </a:rPr>
-              <a:t>()</a:t>
-            </a:r>
-            <a:br>
-              <a:rPr lang="en-US" altLang="zh-CN" sz="2000" dirty="0">
-                <a:latin typeface="微软雅黑" panose="020B0503020204020204" pitchFamily="34" charset="-122"/>
-                <a:ea typeface="微软雅黑" panose="020B0503020204020204" pitchFamily="34" charset="-122"/>
-              </a:rPr>
-            </a:br>
-            <a:r>
-              <a:rPr lang="en-US" altLang="zh-CN" sz="2000" dirty="0">
-                <a:latin typeface="微软雅黑" panose="020B0503020204020204" pitchFamily="34" charset="-122"/>
-                <a:ea typeface="微软雅黑" panose="020B0503020204020204" pitchFamily="34" charset="-122"/>
-              </a:rPr>
-              <a:t>          for </a:t>
+              <a:t>(</a:t>
             </a:r>
             <a:r>
-              <a:rPr lang="en-US" altLang="zh-CN" sz="2000" dirty="0" err="1">
-                <a:latin typeface="微软雅黑" panose="020B0503020204020204" pitchFamily="34" charset="-122"/>
-                <a:ea typeface="微软雅黑" panose="020B0503020204020204" pitchFamily="34" charset="-122"/>
-              </a:rPr>
-              <a:t>i</a:t>
-            </a:r>
-            <a:r>
-              <a:rPr lang="en-US" altLang="zh-CN" sz="2000" dirty="0">
-                <a:latin typeface="微软雅黑" panose="020B0503020204020204" pitchFamily="34" charset="-122"/>
-                <a:ea typeface="微软雅黑" panose="020B0503020204020204" pitchFamily="34" charset="-122"/>
-              </a:rPr>
-              <a:t> in range(5):</a:t>
-            </a:r>
-            <a:br>
-              <a:rPr lang="en-US" altLang="zh-CN" sz="2000" dirty="0">
-                <a:latin typeface="微软雅黑" panose="020B0503020204020204" pitchFamily="34" charset="-122"/>
-                <a:ea typeface="微软雅黑" panose="020B0503020204020204" pitchFamily="34" charset="-122"/>
-              </a:rPr>
-            </a:br>
-            <a:r>
-              <a:rPr lang="en-US" altLang="zh-CN" sz="2000" dirty="0">
-                <a:latin typeface="微软雅黑" panose="020B0503020204020204" pitchFamily="34" charset="-122"/>
-                <a:ea typeface="微软雅黑" panose="020B0503020204020204" pitchFamily="34" charset="-122"/>
-              </a:rPr>
-              <a:t>                </a:t>
-            </a:r>
-            <a:r>
-              <a:rPr lang="en-US" altLang="zh-CN" sz="2000" dirty="0" err="1">
-                <a:latin typeface="微软雅黑" panose="020B0503020204020204" pitchFamily="34" charset="-122"/>
-                <a:ea typeface="微软雅黑" panose="020B0503020204020204" pitchFamily="34" charset="-122"/>
-              </a:rPr>
-              <a:t>time.sleep</a:t>
-            </a:r>
-            <a:r>
-              <a:rPr lang="en-US" altLang="zh-CN" sz="2000" dirty="0">
-                <a:latin typeface="微软雅黑" panose="020B0503020204020204" pitchFamily="34" charset="-122"/>
-                <a:ea typeface="微软雅黑" panose="020B0503020204020204" pitchFamily="34" charset="-122"/>
-              </a:rPr>
-              <a:t>(1)</a:t>
-            </a:r>
-            <a:br>
-              <a:rPr lang="en-US" altLang="zh-CN" sz="2000" dirty="0">
-                <a:latin typeface="微软雅黑" panose="020B0503020204020204" pitchFamily="34" charset="-122"/>
-                <a:ea typeface="微软雅黑" panose="020B0503020204020204" pitchFamily="34" charset="-122"/>
-              </a:rPr>
-            </a:br>
-            <a:r>
-              <a:rPr lang="en-US" altLang="zh-CN" sz="2000" dirty="0">
-                <a:latin typeface="微软雅黑" panose="020B0503020204020204" pitchFamily="34" charset="-122"/>
-                <a:ea typeface="微软雅黑" panose="020B0503020204020204" pitchFamily="34" charset="-122"/>
-              </a:rPr>
-              <a:t>                print </a:t>
-            </a:r>
-            <a:r>
-              <a:rPr lang="en-US" altLang="zh-CN" sz="2000" dirty="0" err="1">
-                <a:latin typeface="微软雅黑" panose="020B0503020204020204" pitchFamily="34" charset="-122"/>
-                <a:ea typeface="微软雅黑" panose="020B0503020204020204" pitchFamily="34" charset="-122"/>
+              <a:rPr kumimoji="0" lang="zh-CN" altLang="zh-CN" sz="2200" b="0" i="0" u="none" strike="noStrike" cap="none" normalizeH="0" baseline="0" smtClean="0">
+                <a:ln>
+                  <a:noFill/>
+                </a:ln>
+                <a:solidFill>
+                  <a:srgbClr val="8888C6"/>
+                </a:solidFill>
+                <a:effectLst/>
+                <a:latin typeface="Arial Unicode MS"/>
+                <a:ea typeface="JetBrains Mono"/>
               </a:rPr>
               <a:t>str</a:t>
             </a:r>
             <a:r>
-              <a:rPr lang="en-US" altLang="zh-CN" sz="2000" dirty="0">
-                <a:latin typeface="微软雅黑" panose="020B0503020204020204" pitchFamily="34" charset="-122"/>
-                <a:ea typeface="微软雅黑" panose="020B0503020204020204" pitchFamily="34" charset="-122"/>
+              <a:rPr kumimoji="0" lang="zh-CN" altLang="zh-CN" sz="2200" b="0" i="0" u="none" strike="noStrike" cap="none" normalizeH="0" baseline="0" smtClean="0">
+                <a:ln>
+                  <a:noFill/>
+                </a:ln>
+                <a:solidFill>
+                  <a:srgbClr val="A9B7C6"/>
+                </a:solidFill>
+                <a:effectLst/>
+                <a:latin typeface="Arial Unicode MS"/>
+                <a:ea typeface="JetBrains Mono"/>
+              </a:rPr>
+              <a:t>(i))</a:t>
+            </a:r>
+            <a:br>
+              <a:rPr kumimoji="0" lang="zh-CN" altLang="zh-CN" sz="2200" b="0" i="0" u="none" strike="noStrike" cap="none" normalizeH="0" baseline="0" smtClean="0">
+                <a:ln>
+                  <a:noFill/>
+                </a:ln>
+                <a:solidFill>
+                  <a:srgbClr val="A9B7C6"/>
+                </a:solidFill>
+                <a:effectLst/>
+                <a:latin typeface="Arial Unicode MS"/>
+                <a:ea typeface="JetBrains Mono"/>
+              </a:rPr>
+            </a:br>
+            <a:r>
+              <a:rPr kumimoji="0" lang="zh-CN" altLang="zh-CN" sz="2200" b="0" i="0" u="none" strike="noStrike" cap="none" normalizeH="0" baseline="0" smtClean="0">
+                <a:ln>
+                  <a:noFill/>
+                </a:ln>
+                <a:solidFill>
+                  <a:srgbClr val="A9B7C6"/>
+                </a:solidFill>
+                <a:effectLst/>
+                <a:latin typeface="Arial Unicode MS"/>
+                <a:ea typeface="JetBrains Mono"/>
+              </a:rPr>
+              <a:t>        </a:t>
+            </a:r>
+            <a:r>
+              <a:rPr kumimoji="0" lang="zh-CN" altLang="zh-CN" sz="2200" b="0" i="0" u="none" strike="noStrike" cap="none" normalizeH="0" baseline="0" smtClean="0">
+                <a:ln>
+                  <a:noFill/>
+                </a:ln>
+                <a:solidFill>
+                  <a:srgbClr val="8888C6"/>
+                </a:solidFill>
+                <a:effectLst/>
+                <a:latin typeface="Arial Unicode MS"/>
+                <a:ea typeface="JetBrains Mono"/>
+              </a:rPr>
+              <a:t>print </a:t>
+            </a:r>
+            <a:r>
+              <a:rPr kumimoji="0" lang="zh-CN" altLang="zh-CN" sz="2200" b="0" i="0" u="none" strike="noStrike" cap="none" normalizeH="0" baseline="0" smtClean="0">
+                <a:ln>
+                  <a:noFill/>
+                </a:ln>
+                <a:solidFill>
+                  <a:srgbClr val="A9B7C6"/>
+                </a:solidFill>
+                <a:effectLst/>
+                <a:latin typeface="Arial Unicode MS"/>
+                <a:ea typeface="JetBrains Mono"/>
               </a:rPr>
               <a:t>(</a:t>
             </a:r>
             <a:r>
-              <a:rPr lang="en-US" altLang="zh-CN" sz="2000" dirty="0" err="1">
-                <a:latin typeface="微软雅黑" panose="020B0503020204020204" pitchFamily="34" charset="-122"/>
-                <a:ea typeface="微软雅黑" panose="020B0503020204020204" pitchFamily="34" charset="-122"/>
+              <a:rPr kumimoji="0" lang="zh-CN" altLang="zh-CN" sz="2200" b="0" i="0" u="none" strike="noStrike" cap="none" normalizeH="0" baseline="0" smtClean="0">
+                <a:ln>
+                  <a:noFill/>
+                </a:ln>
+                <a:solidFill>
+                  <a:srgbClr val="94558D"/>
+                </a:solidFill>
+                <a:effectLst/>
+                <a:latin typeface="Arial Unicode MS"/>
+                <a:ea typeface="JetBrains Mono"/>
               </a:rPr>
-              <a:t>i</a:t>
+              <a:t>self</a:t>
             </a:r>
             <a:r>
-              <a:rPr lang="en-US" altLang="zh-CN" sz="2000" dirty="0">
-                <a:latin typeface="微软雅黑" panose="020B0503020204020204" pitchFamily="34" charset="-122"/>
-                <a:ea typeface="微软雅黑" panose="020B0503020204020204" pitchFamily="34" charset="-122"/>
+              <a:rPr kumimoji="0" lang="zh-CN" altLang="zh-CN" sz="2200" b="0" i="0" u="none" strike="noStrike" cap="none" normalizeH="0" baseline="0" smtClean="0">
+                <a:ln>
+                  <a:noFill/>
+                </a:ln>
+                <a:solidFill>
+                  <a:srgbClr val="A9B7C6"/>
+                </a:solidFill>
+                <a:effectLst/>
+                <a:latin typeface="Arial Unicode MS"/>
+                <a:ea typeface="JetBrains Mono"/>
+              </a:rPr>
+              <a:t>.name + </a:t>
+            </a:r>
+            <a:r>
+              <a:rPr kumimoji="0" lang="zh-CN" altLang="zh-CN" sz="2200" b="0" i="0" u="none" strike="noStrike" cap="none" normalizeH="0" baseline="0" smtClean="0">
+                <a:ln>
+                  <a:noFill/>
+                </a:ln>
+                <a:solidFill>
+                  <a:srgbClr val="6A8759"/>
+                </a:solidFill>
+                <a:effectLst/>
+                <a:latin typeface="Arial Unicode MS"/>
+                <a:ea typeface="JetBrains Mono"/>
+              </a:rPr>
+              <a:t>"is over"</a:t>
+            </a:r>
+            <a:r>
+              <a:rPr kumimoji="0" lang="zh-CN" altLang="zh-CN" sz="2200" b="0" i="0" u="none" strike="noStrike" cap="none" normalizeH="0" baseline="0" smtClean="0">
+                <a:ln>
+                  <a:noFill/>
+                </a:ln>
+                <a:solidFill>
+                  <a:srgbClr val="A9B7C6"/>
+                </a:solidFill>
+                <a:effectLst/>
+                <a:latin typeface="Arial Unicode MS"/>
+                <a:ea typeface="JetBrains Mono"/>
               </a:rPr>
               <a:t>)</a:t>
             </a:r>
-            <a:br>
-              <a:rPr lang="en-US" altLang="zh-CN" sz="2000" dirty="0">
-                <a:latin typeface="微软雅黑" panose="020B0503020204020204" pitchFamily="34" charset="-122"/>
-                <a:ea typeface="微软雅黑" panose="020B0503020204020204" pitchFamily="34" charset="-122"/>
-              </a:rPr>
-            </a:br>
-            <a:r>
-              <a:rPr lang="en-US" altLang="zh-CN" sz="2000" dirty="0">
-                <a:latin typeface="微软雅黑" panose="020B0503020204020204" pitchFamily="34" charset="-122"/>
-                <a:ea typeface="微软雅黑" panose="020B0503020204020204" pitchFamily="34" charset="-122"/>
-              </a:rPr>
-              <a:t>          print </a:t>
-            </a:r>
-            <a:r>
-              <a:rPr lang="en-US" altLang="zh-CN" sz="2000" dirty="0" err="1">
-                <a:latin typeface="微软雅黑" panose="020B0503020204020204" pitchFamily="34" charset="-122"/>
-                <a:ea typeface="微软雅黑" panose="020B0503020204020204" pitchFamily="34" charset="-122"/>
-              </a:rPr>
-              <a:t>self.getName</a:t>
-            </a:r>
-            <a:r>
-              <a:rPr lang="en-US" altLang="zh-CN" sz="2000" dirty="0">
-                <a:latin typeface="微软雅黑" panose="020B0503020204020204" pitchFamily="34" charset="-122"/>
-                <a:ea typeface="微软雅黑" panose="020B0503020204020204" pitchFamily="34" charset="-122"/>
-              </a:rPr>
-              <a:t>() + "is over"</a:t>
-            </a:r>
-            <a:endParaRPr lang="zh-CN" altLang="en-US" sz="2000" dirty="0">
-              <a:latin typeface="微软雅黑" panose="020B0503020204020204" pitchFamily="34" charset="-122"/>
-              <a:ea typeface="微软雅黑" panose="020B0503020204020204" pitchFamily="34" charset="-122"/>
+            <a:endParaRPr kumimoji="0" lang="zh-CN" altLang="zh-CN" sz="1800" b="0" i="0" u="none" strike="noStrike" cap="none" normalizeH="0" baseline="0" smtClean="0">
+              <a:ln>
+                <a:noFill/>
+              </a:ln>
+              <a:solidFill>
+                <a:schemeClr val="tx1"/>
+              </a:solidFill>
+              <a:effectLst/>
+              <a:latin typeface="Arial" panose="020B0604020202020204" pitchFamily="34" charset="0"/>
             </a:endParaRPr>
           </a:p>
         </p:txBody>
       </p:sp>
+    </p:spTree>
+    <p:extLst>
+      <p:ext uri="{BB962C8B-B14F-4D97-AF65-F5344CB8AC3E}">
+        <p14:creationId xmlns:p14="http://schemas.microsoft.com/office/powerpoint/2010/main" val="1485220126"/>
+      </p:ext>
+    </p:extLst>
+  </p:cSld>
+  <p:clrMapOvr>
+    <a:masterClrMapping/>
+  </p:clrMapOvr>
+  <mc:AlternateContent xmlns:mc="http://schemas.openxmlformats.org/markup-compatibility/2006" xmlns:p14="http://schemas.microsoft.com/office/powerpoint/2010/main">
+    <mc:Choice Requires="p14">
+      <p:transition spd="slow" p14:dur="1200">
+        <p14:prism/>
+      </p:transition>
+    </mc:Choice>
+    <mc:Fallback xmlns="">
+      <p:transition spd="slow">
+        <p:fade/>
+      </p:transition>
+    </mc:Fallback>
+  </mc:AlternateContent>
+  <p:timing>
+    <p:tnLst>
+      <p:par>
+        <p:cTn id="1" dur="indefinite" restart="never" nodeType="tmRoot"/>
+      </p:par>
+    </p:tnLst>
+  </p:timing>
+</p:sld>
+</file>
+
+<file path=ppt/slides/slide6.xml><?xml version="1.0" encoding="utf-8"?>
+<p:sld xmlns:a="http://schemas.openxmlformats.org/drawingml/2006/main" xmlns:r="http://schemas.openxmlformats.org/officeDocument/2006/relationships" xmlns:p="http://schemas.openxmlformats.org/presentationml/2006/main">
+  <p:cSld>
+    <p:spTree>
+      <p:nvGrpSpPr>
+        <p:cNvPr id="1" name=""/>
+        <p:cNvGrpSpPr/>
+        <p:nvPr/>
+      </p:nvGrpSpPr>
+      <p:grpSpPr>
+        <a:xfrm>
+          <a:off x="0" y="0"/>
+          <a:ext cx="0" cy="0"/>
+          <a:chOff x="0" y="0"/>
+          <a:chExt cx="0" cy="0"/>
+        </a:xfrm>
+      </p:grpSpPr>
       <p:sp>
         <p:nvSpPr>
           <p:cNvPr id="15" name="圆角矩形 14"/>
@@ -32501,336 +33345,347 @@
           </a:p>
         </p:txBody>
       </p:sp>
-    </p:spTree>
-    <p:extLst>
-      <p:ext uri="{BB962C8B-B14F-4D97-AF65-F5344CB8AC3E}">
-        <p14:creationId xmlns:p14="http://schemas.microsoft.com/office/powerpoint/2010/main" val="1485220126"/>
-      </p:ext>
-    </p:extLst>
-  </p:cSld>
-  <p:clrMapOvr>
-    <a:masterClrMapping/>
-  </p:clrMapOvr>
-  <mc:AlternateContent xmlns:mc="http://schemas.openxmlformats.org/markup-compatibility/2006" xmlns:p14="http://schemas.microsoft.com/office/powerpoint/2010/main">
-    <mc:Choice Requires="p14">
-      <p:transition spd="slow" p14:dur="1200">
-        <p14:prism/>
-      </p:transition>
-    </mc:Choice>
-    <mc:Fallback xmlns="">
-      <p:transition spd="slow">
-        <p:fade/>
-      </p:transition>
-    </mc:Fallback>
-  </mc:AlternateContent>
-  <p:timing>
-    <p:tnLst>
-      <p:par>
-        <p:cTn id="1" dur="indefinite" restart="never" nodeType="tmRoot">
-          <p:childTnLst>
-            <p:seq concurrent="1" nextAc="seek">
-              <p:cTn id="2" dur="indefinite" nodeType="mainSeq">
-                <p:childTnLst>
-                  <p:par>
-                    <p:cTn id="3" fill="hold">
-                      <p:stCondLst>
-                        <p:cond delay="indefinite"/>
-                      </p:stCondLst>
-                      <p:childTnLst>
-                        <p:par>
-                          <p:cTn id="4" fill="hold">
-                            <p:stCondLst>
-                              <p:cond delay="0"/>
-                            </p:stCondLst>
-                            <p:childTnLst>
-                              <p:par>
-                                <p:cTn id="5" presetID="1" presetClass="entr" presetSubtype="0" fill="hold" grpId="0" nodeType="clickEffect">
-                                  <p:stCondLst>
-                                    <p:cond delay="0"/>
-                                  </p:stCondLst>
-                                  <p:iterate type="wd">
-                                    <p:tmAbs val="100"/>
-                                  </p:iterate>
-                                  <p:childTnLst>
-                                    <p:set>
-                                      <p:cBhvr>
-                                        <p:cTn id="6" dur="1" fill="hold">
-                                          <p:stCondLst>
-                                            <p:cond delay="0"/>
-                                          </p:stCondLst>
-                                        </p:cTn>
-                                        <p:tgtEl>
-                                          <p:spTgt spid="2"/>
-                                        </p:tgtEl>
-                                        <p:attrNameLst>
-                                          <p:attrName>style.visibility</p:attrName>
-                                        </p:attrNameLst>
-                                      </p:cBhvr>
-                                      <p:to>
-                                        <p:strVal val="visible"/>
-                                      </p:to>
-                                    </p:set>
-                                  </p:childTnLst>
-                                </p:cTn>
-                              </p:par>
-                            </p:childTnLst>
-                          </p:cTn>
-                        </p:par>
-                      </p:childTnLst>
-                    </p:cTn>
-                  </p:par>
-                </p:childTnLst>
-              </p:cTn>
-              <p:prevCondLst>
-                <p:cond evt="onPrev" delay="0">
-                  <p:tgtEl>
-                    <p:sldTgt/>
-                  </p:tgtEl>
-                </p:cond>
-              </p:prevCondLst>
-              <p:nextCondLst>
-                <p:cond evt="onNext" delay="0">
-                  <p:tgtEl>
-                    <p:sldTgt/>
-                  </p:tgtEl>
-                </p:cond>
-              </p:nextCondLst>
-            </p:seq>
-          </p:childTnLst>
-        </p:cTn>
-      </p:par>
-    </p:tnLst>
-    <p:bldLst>
-      <p:bldP spid="2" grpId="0"/>
-    </p:bldLst>
-  </p:timing>
-</p:sld>
-</file>
-
-<file path=ppt/slides/slide6.xml><?xml version="1.0" encoding="utf-8"?>
-<p:sld xmlns:a="http://schemas.openxmlformats.org/drawingml/2006/main" xmlns:r="http://schemas.openxmlformats.org/officeDocument/2006/relationships" xmlns:p="http://schemas.openxmlformats.org/presentationml/2006/main">
-  <p:cSld>
-    <p:spTree>
-      <p:nvGrpSpPr>
-        <p:cNvPr id="1" name=""/>
-        <p:cNvGrpSpPr/>
-        <p:nvPr/>
-      </p:nvGrpSpPr>
-      <p:grpSpPr>
-        <a:xfrm>
-          <a:off x="0" y="0"/>
-          <a:ext cx="0" cy="0"/>
-          <a:chOff x="0" y="0"/>
-          <a:chExt cx="0" cy="0"/>
-        </a:xfrm>
-      </p:grpSpPr>
       <p:sp>
         <p:nvSpPr>
-          <p:cNvPr id="2" name="矩形 1"/>
-          <p:cNvSpPr/>
+          <p:cNvPr id="3" name="Rectangle 1"/>
+          <p:cNvSpPr>
+            <a:spLocks noChangeArrowheads="1"/>
+          </p:cNvSpPr>
           <p:nvPr/>
         </p:nvSpPr>
-        <p:spPr>
+        <p:spPr bwMode="auto">
           <a:xfrm>
-            <a:off x="2994870" y="2622826"/>
-            <a:ext cx="6491419" cy="1938992"/>
+            <a:off x="2585754" y="2273809"/>
+            <a:ext cx="6079852" cy="2062103"/>
           </a:xfrm>
           <a:prstGeom prst="rect">
             <a:avLst/>
           </a:prstGeom>
+          <a:solidFill>
+            <a:srgbClr val="2B2B2B"/>
+          </a:solidFill>
+          <a:ln>
+            <a:noFill/>
+          </a:ln>
+          <a:effectLst/>
+          <a:extLst>
+            <a:ext uri="{91240B29-F687-4F45-9708-019B960494DF}">
+              <a14:hiddenLine xmlns:a14="http://schemas.microsoft.com/office/drawing/2010/main" w="9525">
+                <a:solidFill>
+                  <a:schemeClr val="tx1"/>
+                </a:solidFill>
+                <a:miter lim="800000"/>
+                <a:headEnd/>
+                <a:tailEnd/>
+              </a14:hiddenLine>
+            </a:ext>
+            <a:ext uri="{AF507438-7753-43E0-B8FC-AC1667EBCBE1}">
+              <a14:hiddenEffects xmlns:a14="http://schemas.microsoft.com/office/drawing/2010/main">
+                <a:effectLst>
+                  <a:outerShdw dist="35921" dir="2700000" algn="ctr" rotWithShape="0">
+                    <a:schemeClr val="bg2"/>
+                  </a:outerShdw>
+                </a:effectLst>
+              </a14:hiddenEffects>
+            </a:ext>
+          </a:extLst>
         </p:spPr>
         <p:txBody>
-          <a:bodyPr wrap="square">
+          <a:bodyPr vert="horz" wrap="square" lIns="91440" tIns="45720" rIns="91440" bIns="45720" numCol="1" anchor="ctr" anchorCtr="0" compatLnSpc="1">
+            <a:prstTxWarp prst="textNoShape">
+              <a:avLst/>
+            </a:prstTxWarp>
             <a:spAutoFit/>
           </a:bodyPr>
           <a:lstStyle/>
           <a:p>
+            <a:pPr marL="0" marR="0" lvl="0" indent="0" algn="l" defTabSz="914400" rtl="0" eaLnBrk="0" fontAlgn="base" latinLnBrk="0" hangingPunct="0">
+              <a:lnSpc>
+                <a:spcPct val="100000"/>
+              </a:lnSpc>
+              <a:spcBef>
+                <a:spcPct val="0"/>
+              </a:spcBef>
+              <a:spcAft>
+                <a:spcPct val="0"/>
+              </a:spcAft>
+              <a:buClrTx/>
+              <a:buSzTx/>
+              <a:buFontTx/>
+              <a:buNone/>
+              <a:tabLst/>
+            </a:pPr>
             <a:r>
-              <a:rPr lang="en-US" altLang="zh-CN" sz="2000" b="1" dirty="0">
-                <a:latin typeface="微软雅黑" panose="020B0503020204020204" pitchFamily="34" charset="-122"/>
-                <a:ea typeface="微软雅黑" panose="020B0503020204020204" pitchFamily="34" charset="-122"/>
+              <a:rPr kumimoji="0" lang="zh-CN" altLang="zh-CN" sz="2200" b="0" i="0" u="none" strike="noStrike" cap="none" normalizeH="0" baseline="0" smtClean="0">
+                <a:ln>
+                  <a:noFill/>
+                </a:ln>
+                <a:solidFill>
+                  <a:srgbClr val="CC7832"/>
+                </a:solidFill>
+                <a:effectLst/>
+                <a:latin typeface="Arial Unicode MS"/>
+                <a:ea typeface="JetBrains Mono"/>
               </a:rPr>
-              <a:t>join() </a:t>
+              <a:t>if </a:t>
             </a:r>
             <a:r>
-              <a:rPr lang="zh-CN" altLang="en-US" sz="2000" b="1" dirty="0">
-                <a:latin typeface="微软雅黑" panose="020B0503020204020204" pitchFamily="34" charset="-122"/>
-                <a:ea typeface="微软雅黑" panose="020B0503020204020204" pitchFamily="34" charset="-122"/>
+              <a:rPr kumimoji="0" lang="zh-CN" altLang="zh-CN" sz="2200" b="0" i="0" u="none" strike="noStrike" cap="none" normalizeH="0" baseline="0" smtClean="0">
+                <a:ln>
+                  <a:noFill/>
+                </a:ln>
+                <a:solidFill>
+                  <a:srgbClr val="A9B7C6"/>
+                </a:solidFill>
+                <a:effectLst/>
+                <a:latin typeface="Arial Unicode MS"/>
+                <a:ea typeface="JetBrains Mono"/>
               </a:rPr>
-              <a:t>阻塞等待</a:t>
+              <a:t>__name__ == </a:t>
             </a:r>
-            <a:endParaRPr lang="en-US" altLang="zh-CN" sz="2000" dirty="0">
-              <a:latin typeface="微软雅黑" panose="020B0503020204020204" pitchFamily="34" charset="-122"/>
-              <a:ea typeface="微软雅黑" panose="020B0503020204020204" pitchFamily="34" charset="-122"/>
-            </a:endParaRPr>
-          </a:p>
-          <a:p>
             <a:r>
-              <a:rPr lang="en-US" altLang="zh-CN" sz="2000" dirty="0">
-                <a:latin typeface="微软雅黑" panose="020B0503020204020204" pitchFamily="34" charset="-122"/>
-                <a:ea typeface="微软雅黑" panose="020B0503020204020204" pitchFamily="34" charset="-122"/>
+              <a:rPr kumimoji="0" lang="zh-CN" altLang="zh-CN" sz="2200" b="0" i="0" u="none" strike="noStrike" cap="none" normalizeH="0" baseline="0" smtClean="0">
+                <a:ln>
+                  <a:noFill/>
+                </a:ln>
+                <a:solidFill>
+                  <a:srgbClr val="6A8759"/>
+                </a:solidFill>
+                <a:effectLst/>
+                <a:latin typeface="Arial Unicode MS"/>
+                <a:ea typeface="JetBrains Mono"/>
               </a:rPr>
-              <a:t>if __name__ == '__main__':</a:t>
+              <a:t>'__main__'</a:t>
+            </a:r>
+            <a:r>
+              <a:rPr kumimoji="0" lang="zh-CN" altLang="zh-CN" sz="2200" b="0" i="0" u="none" strike="noStrike" cap="none" normalizeH="0" baseline="0" smtClean="0">
+                <a:ln>
+                  <a:noFill/>
+                </a:ln>
+                <a:solidFill>
+                  <a:srgbClr val="A9B7C6"/>
+                </a:solidFill>
+                <a:effectLst/>
+                <a:latin typeface="Arial Unicode MS"/>
+                <a:ea typeface="JetBrains Mono"/>
+              </a:rPr>
+              <a:t>:</a:t>
             </a:r>
             <a:br>
-              <a:rPr lang="en-US" altLang="zh-CN" sz="2000" dirty="0">
-                <a:latin typeface="微软雅黑" panose="020B0503020204020204" pitchFamily="34" charset="-122"/>
-                <a:ea typeface="微软雅黑" panose="020B0503020204020204" pitchFamily="34" charset="-122"/>
+              <a:rPr kumimoji="0" lang="zh-CN" altLang="zh-CN" sz="2200" b="0" i="0" u="none" strike="noStrike" cap="none" normalizeH="0" baseline="0" smtClean="0">
+                <a:ln>
+                  <a:noFill/>
+                </a:ln>
+                <a:solidFill>
+                  <a:srgbClr val="A9B7C6"/>
+                </a:solidFill>
+                <a:effectLst/>
+                <a:latin typeface="Arial Unicode MS"/>
+                <a:ea typeface="JetBrains Mono"/>
               </a:rPr>
             </a:br>
             <a:r>
-              <a:rPr lang="en-US" altLang="zh-CN" sz="2000" dirty="0">
-                <a:latin typeface="微软雅黑" panose="020B0503020204020204" pitchFamily="34" charset="-122"/>
-                <a:ea typeface="微软雅黑" panose="020B0503020204020204" pitchFamily="34" charset="-122"/>
+              <a:rPr kumimoji="0" lang="zh-CN" altLang="zh-CN" sz="2200" b="0" i="0" u="none" strike="noStrike" cap="none" normalizeH="0" baseline="0" smtClean="0">
+                <a:ln>
+                  <a:noFill/>
+                </a:ln>
+                <a:solidFill>
+                  <a:srgbClr val="A9B7C6"/>
+                </a:solidFill>
+                <a:effectLst/>
+                <a:latin typeface="Arial Unicode MS"/>
+                <a:ea typeface="JetBrains Mono"/>
               </a:rPr>
-              <a:t>       thread1 = Th("T1 ")</a:t>
+              <a:t>    thread1 = Th(</a:t>
+            </a:r>
+            <a:r>
+              <a:rPr kumimoji="0" lang="zh-CN" altLang="zh-CN" sz="2200" b="0" i="0" u="none" strike="noStrike" cap="none" normalizeH="0" baseline="0" smtClean="0">
+                <a:ln>
+                  <a:noFill/>
+                </a:ln>
+                <a:solidFill>
+                  <a:srgbClr val="6A8759"/>
+                </a:solidFill>
+                <a:effectLst/>
+                <a:latin typeface="Arial Unicode MS"/>
+                <a:ea typeface="JetBrains Mono"/>
+              </a:rPr>
+              <a:t>"T1 "</a:t>
+            </a:r>
+            <a:r>
+              <a:rPr kumimoji="0" lang="zh-CN" altLang="zh-CN" sz="2200" b="0" i="0" u="none" strike="noStrike" cap="none" normalizeH="0" baseline="0" smtClean="0">
+                <a:ln>
+                  <a:noFill/>
+                </a:ln>
+                <a:solidFill>
+                  <a:srgbClr val="A9B7C6"/>
+                </a:solidFill>
+                <a:effectLst/>
+                <a:latin typeface="Arial Unicode MS"/>
+                <a:ea typeface="JetBrains Mono"/>
+              </a:rPr>
+              <a:t>)</a:t>
             </a:r>
             <a:br>
-              <a:rPr lang="en-US" altLang="zh-CN" sz="2000" dirty="0">
-                <a:latin typeface="微软雅黑" panose="020B0503020204020204" pitchFamily="34" charset="-122"/>
-                <a:ea typeface="微软雅黑" panose="020B0503020204020204" pitchFamily="34" charset="-122"/>
+              <a:rPr kumimoji="0" lang="zh-CN" altLang="zh-CN" sz="2200" b="0" i="0" u="none" strike="noStrike" cap="none" normalizeH="0" baseline="0" smtClean="0">
+                <a:ln>
+                  <a:noFill/>
+                </a:ln>
+                <a:solidFill>
+                  <a:srgbClr val="A9B7C6"/>
+                </a:solidFill>
+                <a:effectLst/>
+                <a:latin typeface="Arial Unicode MS"/>
+                <a:ea typeface="JetBrains Mono"/>
               </a:rPr>
             </a:br>
             <a:r>
-              <a:rPr lang="en-US" altLang="zh-CN" sz="2000" dirty="0">
-                <a:latin typeface="微软雅黑" panose="020B0503020204020204" pitchFamily="34" charset="-122"/>
-                <a:ea typeface="微软雅黑" panose="020B0503020204020204" pitchFamily="34" charset="-122"/>
+              <a:rPr kumimoji="0" lang="zh-CN" altLang="zh-CN" sz="2200" b="0" i="0" u="none" strike="noStrike" cap="none" normalizeH="0" baseline="0" smtClean="0">
+                <a:ln>
+                  <a:noFill/>
+                </a:ln>
+                <a:solidFill>
+                  <a:srgbClr val="A9B7C6"/>
+                </a:solidFill>
+                <a:effectLst/>
+                <a:latin typeface="Arial Unicode MS"/>
+                <a:ea typeface="JetBrains Mono"/>
               </a:rPr>
-              <a:t>       thread1.start()</a:t>
+              <a:t>    thread1.start()</a:t>
             </a:r>
             <a:br>
-              <a:rPr lang="en-US" altLang="zh-CN" sz="2000" dirty="0">
-                <a:latin typeface="微软雅黑" panose="020B0503020204020204" pitchFamily="34" charset="-122"/>
-                <a:ea typeface="微软雅黑" panose="020B0503020204020204" pitchFamily="34" charset="-122"/>
+              <a:rPr kumimoji="0" lang="zh-CN" altLang="zh-CN" sz="2200" b="0" i="0" u="none" strike="noStrike" cap="none" normalizeH="0" baseline="0" smtClean="0">
+                <a:ln>
+                  <a:noFill/>
+                </a:ln>
+                <a:solidFill>
+                  <a:srgbClr val="A9B7C6"/>
+                </a:solidFill>
+                <a:effectLst/>
+                <a:latin typeface="Arial Unicode MS"/>
+                <a:ea typeface="JetBrains Mono"/>
               </a:rPr>
             </a:br>
             <a:r>
-              <a:rPr lang="en-US" altLang="zh-CN" sz="2000" dirty="0">
-                <a:latin typeface="微软雅黑" panose="020B0503020204020204" pitchFamily="34" charset="-122"/>
-                <a:ea typeface="微软雅黑" panose="020B0503020204020204" pitchFamily="34" charset="-122"/>
+              <a:rPr kumimoji="0" lang="zh-CN" altLang="zh-CN" sz="2200" b="0" i="0" u="none" strike="noStrike" cap="none" normalizeH="0" baseline="0" smtClean="0">
+                <a:ln>
+                  <a:noFill/>
+                </a:ln>
+                <a:solidFill>
+                  <a:srgbClr val="A9B7C6"/>
+                </a:solidFill>
+                <a:effectLst/>
+                <a:latin typeface="Arial Unicode MS"/>
+                <a:ea typeface="JetBrains Mono"/>
               </a:rPr>
-              <a:t>       #thread1.join()</a:t>
+              <a:t>    thread1.join()</a:t>
             </a:r>
             <a:br>
-              <a:rPr lang="en-US" altLang="zh-CN" sz="2000" dirty="0">
-                <a:latin typeface="微软雅黑" panose="020B0503020204020204" pitchFamily="34" charset="-122"/>
-                <a:ea typeface="微软雅黑" panose="020B0503020204020204" pitchFamily="34" charset="-122"/>
+              <a:rPr kumimoji="0" lang="zh-CN" altLang="zh-CN" sz="2200" b="0" i="0" u="none" strike="noStrike" cap="none" normalizeH="0" baseline="0" smtClean="0">
+                <a:ln>
+                  <a:noFill/>
+                </a:ln>
+                <a:solidFill>
+                  <a:srgbClr val="A9B7C6"/>
+                </a:solidFill>
+                <a:effectLst/>
+                <a:latin typeface="Arial Unicode MS"/>
+                <a:ea typeface="JetBrains Mono"/>
               </a:rPr>
             </a:br>
             <a:r>
-              <a:rPr lang="en-US" altLang="zh-CN" sz="2000" dirty="0">
-                <a:latin typeface="微软雅黑" panose="020B0503020204020204" pitchFamily="34" charset="-122"/>
-                <a:ea typeface="微软雅黑" panose="020B0503020204020204" pitchFamily="34" charset="-122"/>
+              <a:rPr kumimoji="0" lang="zh-CN" altLang="zh-CN" sz="2200" b="0" i="0" u="none" strike="noStrike" cap="none" normalizeH="0" baseline="0" smtClean="0">
+                <a:ln>
+                  <a:noFill/>
+                </a:ln>
+                <a:solidFill>
+                  <a:srgbClr val="A9B7C6"/>
+                </a:solidFill>
+                <a:effectLst/>
+                <a:latin typeface="Arial Unicode MS"/>
+                <a:ea typeface="JetBrains Mono"/>
               </a:rPr>
-              <a:t>       print "main thread is over"</a:t>
+              <a:t>    </a:t>
             </a:r>
-            <a:endParaRPr lang="zh-CN" altLang="en-US" sz="2000" dirty="0">
-              <a:latin typeface="微软雅黑" panose="020B0503020204020204" pitchFamily="34" charset="-122"/>
-              <a:ea typeface="微软雅黑" panose="020B0503020204020204" pitchFamily="34" charset="-122"/>
+            <a:r>
+              <a:rPr kumimoji="0" lang="zh-CN" altLang="zh-CN" sz="2200" b="0" i="0" u="none" strike="noStrike" cap="none" normalizeH="0" baseline="0" smtClean="0">
+                <a:ln>
+                  <a:noFill/>
+                </a:ln>
+                <a:solidFill>
+                  <a:srgbClr val="8888C6"/>
+                </a:solidFill>
+                <a:effectLst/>
+                <a:latin typeface="Arial Unicode MS"/>
+                <a:ea typeface="JetBrains Mono"/>
+              </a:rPr>
+              <a:t>print </a:t>
+            </a:r>
+            <a:r>
+              <a:rPr kumimoji="0" lang="zh-CN" altLang="zh-CN" sz="2200" b="0" i="0" u="none" strike="noStrike" cap="none" normalizeH="0" baseline="0" smtClean="0">
+                <a:ln>
+                  <a:noFill/>
+                </a:ln>
+                <a:solidFill>
+                  <a:srgbClr val="A9B7C6"/>
+                </a:solidFill>
+                <a:effectLst/>
+                <a:latin typeface="Arial Unicode MS"/>
+                <a:ea typeface="JetBrains Mono"/>
+              </a:rPr>
+              <a:t>(</a:t>
+            </a:r>
+            <a:r>
+              <a:rPr kumimoji="0" lang="zh-CN" altLang="zh-CN" sz="2200" b="0" i="0" u="none" strike="noStrike" cap="none" normalizeH="0" baseline="0" smtClean="0">
+                <a:ln>
+                  <a:noFill/>
+                </a:ln>
+                <a:solidFill>
+                  <a:srgbClr val="6A8759"/>
+                </a:solidFill>
+                <a:effectLst/>
+                <a:latin typeface="Arial Unicode MS"/>
+                <a:ea typeface="JetBrains Mono"/>
+              </a:rPr>
+              <a:t>"main thread is over"</a:t>
+            </a:r>
+            <a:r>
+              <a:rPr kumimoji="0" lang="zh-CN" altLang="zh-CN" sz="2200" b="0" i="0" u="none" strike="noStrike" cap="none" normalizeH="0" baseline="0" smtClean="0">
+                <a:ln>
+                  <a:noFill/>
+                </a:ln>
+                <a:solidFill>
+                  <a:srgbClr val="A9B7C6"/>
+                </a:solidFill>
+                <a:effectLst/>
+                <a:latin typeface="Arial Unicode MS"/>
+                <a:ea typeface="JetBrains Mono"/>
+              </a:rPr>
+              <a:t>)</a:t>
+            </a:r>
+            <a:br>
+              <a:rPr kumimoji="0" lang="zh-CN" altLang="zh-CN" sz="2200" b="0" i="0" u="none" strike="noStrike" cap="none" normalizeH="0" baseline="0" smtClean="0">
+                <a:ln>
+                  <a:noFill/>
+                </a:ln>
+                <a:solidFill>
+                  <a:srgbClr val="A9B7C6"/>
+                </a:solidFill>
+                <a:effectLst/>
+                <a:latin typeface="Arial Unicode MS"/>
+                <a:ea typeface="JetBrains Mono"/>
+              </a:rPr>
+            </a:br>
+            <a:endParaRPr kumimoji="0" lang="zh-CN" altLang="zh-CN" sz="1800" b="0" i="0" u="none" strike="noStrike" cap="none" normalizeH="0" baseline="0" smtClean="0">
+              <a:ln>
+                <a:noFill/>
+              </a:ln>
+              <a:solidFill>
+                <a:schemeClr val="tx1"/>
+              </a:solidFill>
+              <a:effectLst/>
+              <a:latin typeface="Arial" panose="020B0604020202020204" pitchFamily="34" charset="0"/>
             </a:endParaRPr>
-          </a:p>
-        </p:txBody>
-      </p:sp>
-      <p:sp>
-        <p:nvSpPr>
-          <p:cNvPr id="15" name="圆角矩形 14"/>
-          <p:cNvSpPr/>
-          <p:nvPr/>
-        </p:nvSpPr>
-        <p:spPr>
-          <a:xfrm>
-            <a:off x="2360619" y="657666"/>
-            <a:ext cx="1313023" cy="731813"/>
-          </a:xfrm>
-          <a:prstGeom prst="roundRect">
-            <a:avLst>
-              <a:gd name="adj" fmla="val 27816"/>
-            </a:avLst>
-          </a:prstGeom>
-          <a:solidFill>
-            <a:schemeClr val="tx1">
-              <a:lumMod val="75000"/>
-              <a:lumOff val="25000"/>
-              <a:alpha val="40000"/>
-            </a:schemeClr>
-          </a:solidFill>
-          <a:ln>
-            <a:noFill/>
-          </a:ln>
-          <a:effectLst>
-            <a:outerShdw blurRad="152400" dist="76200" dir="2700000" algn="tl" rotWithShape="0">
-              <a:prstClr val="black">
-                <a:alpha val="50000"/>
-              </a:prstClr>
-            </a:outerShdw>
-          </a:effectLst>
-        </p:spPr>
-        <p:style>
-          <a:lnRef idx="2">
-            <a:schemeClr val="accent1">
-              <a:shade val="50000"/>
-            </a:schemeClr>
-          </a:lnRef>
-          <a:fillRef idx="1">
-            <a:schemeClr val="accent1"/>
-          </a:fillRef>
-          <a:effectRef idx="0">
-            <a:schemeClr val="accent1"/>
-          </a:effectRef>
-          <a:fontRef idx="minor">
-            <a:schemeClr val="lt1"/>
-          </a:fontRef>
-        </p:style>
-        <p:txBody>
-          <a:bodyPr anchor="ctr"/>
-          <a:lstStyle/>
-          <a:p>
-            <a:pPr algn="ctr" eaLnBrk="1" fontAlgn="auto" hangingPunct="1">
-              <a:spcBef>
-                <a:spcPts val="0"/>
-              </a:spcBef>
-              <a:spcAft>
-                <a:spcPts val="0"/>
-              </a:spcAft>
-            </a:pPr>
-            <a:endParaRPr lang="zh-CN" altLang="en-US" sz="3200" b="1" dirty="0">
-              <a:latin typeface="微软雅黑" panose="020B0503020204020204" pitchFamily="34" charset="-122"/>
-              <a:ea typeface="微软雅黑" panose="020B0503020204020204" pitchFamily="34" charset="-122"/>
-            </a:endParaRPr>
-          </a:p>
-        </p:txBody>
-      </p:sp>
-      <p:sp>
-        <p:nvSpPr>
-          <p:cNvPr id="18" name="矩形 17"/>
-          <p:cNvSpPr/>
-          <p:nvPr/>
-        </p:nvSpPr>
-        <p:spPr>
-          <a:xfrm>
-            <a:off x="2535221" y="737342"/>
-            <a:ext cx="1005403" cy="584775"/>
-          </a:xfrm>
-          <a:prstGeom prst="rect">
-            <a:avLst/>
-          </a:prstGeom>
-        </p:spPr>
-        <p:txBody>
-          <a:bodyPr wrap="none">
-            <a:spAutoFit/>
-          </a:bodyPr>
-          <a:lstStyle/>
-          <a:p>
-            <a:r>
-              <a:rPr lang="zh-CN" altLang="en-US" sz="3200" b="1" dirty="0">
-                <a:solidFill>
-                  <a:schemeClr val="bg1"/>
-                </a:solidFill>
-                <a:latin typeface="微软雅黑" panose="020B0503020204020204" charset="-122"/>
-                <a:ea typeface="微软雅黑" panose="020B0503020204020204" charset="-122"/>
-              </a:rPr>
-              <a:t>示例</a:t>
-            </a:r>
           </a:p>
         </p:txBody>
       </p:sp>
@@ -32859,83 +33714,9 @@
   <p:timing>
     <p:tnLst>
       <p:par>
-        <p:cTn id="1" dur="indefinite" restart="never" nodeType="tmRoot">
-          <p:childTnLst>
-            <p:seq concurrent="1" nextAc="seek">
-              <p:cTn id="2" dur="indefinite" nodeType="mainSeq">
-                <p:childTnLst>
-                  <p:par>
-                    <p:cTn id="3" fill="hold">
-                      <p:stCondLst>
-                        <p:cond delay="indefinite"/>
-                      </p:stCondLst>
-                      <p:childTnLst>
-                        <p:par>
-                          <p:cTn id="4" fill="hold">
-                            <p:stCondLst>
-                              <p:cond delay="0"/>
-                            </p:stCondLst>
-                            <p:childTnLst>
-                              <p:par>
-                                <p:cTn id="5" presetID="1" presetClass="entr" presetSubtype="0" fill="hold" grpId="0" nodeType="clickEffect">
-                                  <p:stCondLst>
-                                    <p:cond delay="0"/>
-                                  </p:stCondLst>
-                                  <p:iterate type="wd">
-                                    <p:tmAbs val="100"/>
-                                  </p:iterate>
-                                  <p:childTnLst>
-                                    <p:set>
-                                      <p:cBhvr>
-                                        <p:cTn id="6" dur="1" fill="hold">
-                                          <p:stCondLst>
-                                            <p:cond delay="0"/>
-                                          </p:stCondLst>
-                                        </p:cTn>
-                                        <p:tgtEl>
-                                          <p:spTgt spid="2"/>
-                                        </p:tgtEl>
-                                        <p:attrNameLst>
-                                          <p:attrName>style.visibility</p:attrName>
-                                        </p:attrNameLst>
-                                      </p:cBhvr>
-                                      <p:to>
-                                        <p:strVal val="visible"/>
-                                      </p:to>
-                                    </p:set>
-                                  </p:childTnLst>
-                                </p:cTn>
-                              </p:par>
-                            </p:childTnLst>
-                          </p:cTn>
-                        </p:par>
-                      </p:childTnLst>
-                    </p:cTn>
-                  </p:par>
-                </p:childTnLst>
-              </p:cTn>
-              <p:prevCondLst>
-                <p:cond evt="onPrev" delay="0">
-                  <p:tgtEl>
-                    <p:sldTgt/>
-                  </p:tgtEl>
-                </p:cond>
-              </p:prevCondLst>
-              <p:nextCondLst>
-                <p:cond evt="onNext" delay="0">
-                  <p:tgtEl>
-                    <p:sldTgt/>
-                  </p:tgtEl>
-                </p:cond>
-              </p:nextCondLst>
-            </p:seq>
-          </p:childTnLst>
-        </p:cTn>
+        <p:cTn id="1" dur="indefinite" restart="never" nodeType="tmRoot"/>
       </p:par>
     </p:tnLst>
-    <p:bldLst>
-      <p:bldP spid="2" grpId="0"/>
-    </p:bldLst>
   </p:timing>
 </p:sld>
 </file>
